--- a/Database Administrator/Module5-Database Development/5.4-Database Constraints Unveiling the Limitations of SQL and NoSQL(2th-4p)/Database Constraints.pptx
+++ b/Database Administrator/Module5-Database Development/5.4-Database Constraints Unveiling the Limitations of SQL and NoSQL(2th-4p)/Database Constraints.pptx
@@ -515,6 +515,45 @@
     </pc:docChg>
   </pc:docChgLst>
   <pc:docChgLst>
+    <pc:chgData name="Krishna Kant Dubey" userId="cd28fa1e1902c48d" providerId="LiveId" clId="{7C4D63D3-B9B7-48B4-A008-9C5BB9CA59AA}"/>
+    <pc:docChg chg="modSld">
+      <pc:chgData name="Krishna Kant Dubey" userId="cd28fa1e1902c48d" providerId="LiveId" clId="{7C4D63D3-B9B7-48B4-A008-9C5BB9CA59AA}" dt="2025-08-08T12:26:03.214" v="4"/>
+      <pc:docMkLst>
+        <pc:docMk/>
+      </pc:docMkLst>
+      <pc:sldChg chg="modSp mod">
+        <pc:chgData name="Krishna Kant Dubey" userId="cd28fa1e1902c48d" providerId="LiveId" clId="{7C4D63D3-B9B7-48B4-A008-9C5BB9CA59AA}" dt="2025-08-08T12:25:22.761" v="2" actId="113"/>
+        <pc:sldMkLst>
+          <pc:docMk/>
+          <pc:sldMk cId="1080327146" sldId="256"/>
+        </pc:sldMkLst>
+        <pc:spChg chg="mod">
+          <ac:chgData name="Krishna Kant Dubey" userId="cd28fa1e1902c48d" providerId="LiveId" clId="{7C4D63D3-B9B7-48B4-A008-9C5BB9CA59AA}" dt="2025-08-08T12:25:22.761" v="2" actId="113"/>
+          <ac:spMkLst>
+            <pc:docMk/>
+            <pc:sldMk cId="1080327146" sldId="256"/>
+            <ac:spMk id="12" creationId="{941B6D05-14FE-733C-BADE-E07A8CDD1589}"/>
+          </ac:spMkLst>
+        </pc:spChg>
+      </pc:sldChg>
+      <pc:sldChg chg="modSp">
+        <pc:chgData name="Krishna Kant Dubey" userId="cd28fa1e1902c48d" providerId="LiveId" clId="{7C4D63D3-B9B7-48B4-A008-9C5BB9CA59AA}" dt="2025-08-08T12:26:03.214" v="4"/>
+        <pc:sldMkLst>
+          <pc:docMk/>
+          <pc:sldMk cId="2701513036" sldId="259"/>
+        </pc:sldMkLst>
+        <pc:spChg chg="mod">
+          <ac:chgData name="Krishna Kant Dubey" userId="cd28fa1e1902c48d" providerId="LiveId" clId="{7C4D63D3-B9B7-48B4-A008-9C5BB9CA59AA}" dt="2025-08-08T12:26:03.214" v="4"/>
+          <ac:spMkLst>
+            <pc:docMk/>
+            <pc:sldMk cId="2701513036" sldId="259"/>
+            <ac:spMk id="13" creationId="{459108AF-66D9-CD3C-DDCE-0CFFD70B496D}"/>
+          </ac:spMkLst>
+        </pc:spChg>
+      </pc:sldChg>
+    </pc:docChg>
+  </pc:docChgLst>
+  <pc:docChgLst>
     <pc:chgData name="Krishna Kant Dubey" userId="cd28fa1e1902c48d" providerId="LiveId" clId="{F3C5F2BA-F452-4AB9-BD00-EA8AA37CF020}"/>
     <pc:docChg chg="undo custSel addSld modSld">
       <pc:chgData name="Krishna Kant Dubey" userId="cd28fa1e1902c48d" providerId="LiveId" clId="{F3C5F2BA-F452-4AB9-BD00-EA8AA37CF020}" dt="2025-08-08T09:39:58.203" v="356" actId="20577"/>
@@ -1540,21 +1579,6 @@
       <pc:docMkLst>
         <pc:docMk/>
       </pc:docMkLst>
-      <pc:sldChg chg="modSp mod">
-        <pc:chgData name="Krishna Kant Dubey" userId="cd28fa1e1902c48d" providerId="LiveId" clId="{58D190E9-1125-499B-8C31-6A847451639F}" dt="2025-08-05T11:43:08.803" v="2" actId="207"/>
-        <pc:sldMkLst>
-          <pc:docMk/>
-          <pc:sldMk cId="1080327146" sldId="256"/>
-        </pc:sldMkLst>
-        <pc:spChg chg="mod">
-          <ac:chgData name="Krishna Kant Dubey" userId="cd28fa1e1902c48d" providerId="LiveId" clId="{58D190E9-1125-499B-8C31-6A847451639F}" dt="2025-08-05T11:43:08.803" v="2" actId="207"/>
-          <ac:spMkLst>
-            <pc:docMk/>
-            <pc:sldMk cId="1080327146" sldId="256"/>
-            <ac:spMk id="12" creationId="{941B6D05-14FE-733C-BADE-E07A8CDD1589}"/>
-          </ac:spMkLst>
-        </pc:spChg>
-      </pc:sldChg>
       <pc:sldChg chg="modSp mod">
         <pc:chgData name="Krishna Kant Dubey" userId="cd28fa1e1902c48d" providerId="LiveId" clId="{58D190E9-1125-499B-8C31-6A847451639F}" dt="2025-08-05T11:45:27.352" v="9" actId="113"/>
         <pc:sldMkLst>
@@ -5556,7 +5580,7 @@
                   <a:srgbClr val="C00000"/>
                 </a:solidFill>
               </a:rPr>
-              <a:t>Strategic Database Selection: Matching Types with Analysis Needs</a:t>
+              <a:t>Database Constraints: Unveiling the Limitations of SQL and NoSQL</a:t>
             </a:r>
             <a:endParaRPr lang="en-IN" b="1" dirty="0">
               <a:solidFill>
@@ -5710,12 +5734,8 @@
               <a:buNone/>
             </a:pPr>
             <a:r>
-              <a:rPr lang="en-US" b="1" dirty="0">
-                <a:solidFill>
-                  <a:srgbClr val="002060"/>
-                </a:solidFill>
-              </a:rPr>
-              <a:t>Discuss methods to select the right database type, ensuring alignment with analysis requirements and optimizing database performance for AI Database Administration</a:t>
+              <a:rPr lang="en-US"/>
+              <a:t>Describe the limitations of SQL and NoSQL databases, understanding the constraints and challenges associated with each database type in the</a:t>
             </a:r>
             <a:endParaRPr lang="en-IN" b="1" dirty="0">
               <a:solidFill>

--- a/Database Administrator/Module5-Database Development/5.4-Database Constraints Unveiling the Limitations of SQL and NoSQL(2th-4p)/Database Constraints.pptx
+++ b/Database Administrator/Module5-Database Development/5.4-Database Constraints Unveiling the Limitations of SQL and NoSQL(2th-4p)/Database Constraints.pptx
@@ -5,7 +5,7 @@
     <p:sldMasterId id="2147483648" r:id="rId1"/>
   </p:sldMasterIdLst>
   <p:notesMasterIdLst>
-    <p:notesMasterId r:id="rId12"/>
+    <p:notesMasterId r:id="rId11"/>
   </p:notesMasterIdLst>
   <p:sldIdLst>
     <p:sldId id="257" r:id="rId2"/>
@@ -14,10 +14,9 @@
     <p:sldId id="270" r:id="rId5"/>
     <p:sldId id="262" r:id="rId6"/>
     <p:sldId id="263" r:id="rId7"/>
-    <p:sldId id="264" r:id="rId8"/>
-    <p:sldId id="271" r:id="rId9"/>
-    <p:sldId id="272" r:id="rId10"/>
-    <p:sldId id="261" r:id="rId11"/>
+    <p:sldId id="273" r:id="rId8"/>
+    <p:sldId id="274" r:id="rId9"/>
+    <p:sldId id="261" r:id="rId10"/>
   </p:sldIdLst>
   <p:sldSz cx="12192000" cy="6858000"/>
   <p:notesSz cx="6858000" cy="9144000"/>
@@ -184,14 +183,6 @@
           <pc:docMk/>
           <pc:sldMk cId="349747687" sldId="263"/>
         </pc:sldMkLst>
-        <pc:spChg chg="del mod">
-          <ac:chgData name="Krishna Kant Dubey" userId="cd28fa1e1902c48d" providerId="LiveId" clId="{84A4DE23-FED3-40A6-B3C6-7D297E08EAE1}" dt="2025-08-07T14:31:38.700" v="115" actId="478"/>
-          <ac:spMkLst>
-            <pc:docMk/>
-            <pc:sldMk cId="349747687" sldId="263"/>
-            <ac:spMk id="2" creationId="{BF85B148-95F5-F557-1684-748C83907FE0}"/>
-          </ac:spMkLst>
-        </pc:spChg>
         <pc:spChg chg="mod">
           <ac:chgData name="Krishna Kant Dubey" userId="cd28fa1e1902c48d" providerId="LiveId" clId="{84A4DE23-FED3-40A6-B3C6-7D297E08EAE1}" dt="2025-08-07T14:31:08.577" v="111" actId="20577"/>
           <ac:spMkLst>
@@ -200,14 +191,6 @@
             <ac:spMk id="12" creationId="{8EF55225-7A9D-D092-D512-6583849764F6}"/>
           </ac:spMkLst>
         </pc:spChg>
-        <pc:graphicFrameChg chg="add mod modGraphic">
-          <ac:chgData name="Krishna Kant Dubey" userId="cd28fa1e1902c48d" providerId="LiveId" clId="{84A4DE23-FED3-40A6-B3C6-7D297E08EAE1}" dt="2025-08-07T14:39:18.464" v="282"/>
-          <ac:graphicFrameMkLst>
-            <pc:docMk/>
-            <pc:sldMk cId="349747687" sldId="263"/>
-            <ac:graphicFrameMk id="3" creationId="{EA74A5B0-444A-7D50-60F6-B02884260566}"/>
-          </ac:graphicFrameMkLst>
-        </pc:graphicFrameChg>
       </pc:sldChg>
       <pc:sldChg chg="del">
         <pc:chgData name="Krishna Kant Dubey" userId="cd28fa1e1902c48d" providerId="LiveId" clId="{84A4DE23-FED3-40A6-B3C6-7D297E08EAE1}" dt="2025-08-07T14:27:27.763" v="108" actId="2696"/>
@@ -229,94 +212,6 @@
           <pc:docMk/>
           <pc:sldMk cId="3493401632" sldId="264"/>
         </pc:sldMkLst>
-        <pc:spChg chg="add mod">
-          <ac:chgData name="Krishna Kant Dubey" userId="cd28fa1e1902c48d" providerId="LiveId" clId="{84A4DE23-FED3-40A6-B3C6-7D297E08EAE1}" dt="2025-08-07T14:33:44.693" v="193"/>
-          <ac:spMkLst>
-            <pc:docMk/>
-            <pc:sldMk cId="3493401632" sldId="264"/>
-            <ac:spMk id="4" creationId="{3F54973F-40F9-54E9-C494-B854186BAF45}"/>
-          </ac:spMkLst>
-        </pc:spChg>
-        <pc:spChg chg="add mod">
-          <ac:chgData name="Krishna Kant Dubey" userId="cd28fa1e1902c48d" providerId="LiveId" clId="{84A4DE23-FED3-40A6-B3C6-7D297E08EAE1}" dt="2025-08-07T14:33:58.876" v="195"/>
-          <ac:spMkLst>
-            <pc:docMk/>
-            <pc:sldMk cId="3493401632" sldId="264"/>
-            <ac:spMk id="6" creationId="{DFE7B0E6-5DFC-948B-30A4-D869E29BC901}"/>
-          </ac:spMkLst>
-        </pc:spChg>
-        <pc:spChg chg="add mod">
-          <ac:chgData name="Krishna Kant Dubey" userId="cd28fa1e1902c48d" providerId="LiveId" clId="{84A4DE23-FED3-40A6-B3C6-7D297E08EAE1}" dt="2025-08-07T14:34:15.782" v="197"/>
-          <ac:spMkLst>
-            <pc:docMk/>
-            <pc:sldMk cId="3493401632" sldId="264"/>
-            <ac:spMk id="8" creationId="{41BD470A-2EAE-C50A-B901-7D3E6FD06112}"/>
-          </ac:spMkLst>
-        </pc:spChg>
-        <pc:spChg chg="add mod">
-          <ac:chgData name="Krishna Kant Dubey" userId="cd28fa1e1902c48d" providerId="LiveId" clId="{84A4DE23-FED3-40A6-B3C6-7D297E08EAE1}" dt="2025-08-07T14:34:34.176" v="199"/>
-          <ac:spMkLst>
-            <pc:docMk/>
-            <pc:sldMk cId="3493401632" sldId="264"/>
-            <ac:spMk id="11" creationId="{9DC1BE1C-1C57-A6A6-783C-218743778DCA}"/>
-          </ac:spMkLst>
-        </pc:spChg>
-        <pc:spChg chg="mod">
-          <ac:chgData name="Krishna Kant Dubey" userId="cd28fa1e1902c48d" providerId="LiveId" clId="{84A4DE23-FED3-40A6-B3C6-7D297E08EAE1}" dt="2025-08-07T14:35:29.804" v="205"/>
-          <ac:spMkLst>
-            <pc:docMk/>
-            <pc:sldMk cId="3493401632" sldId="264"/>
-            <ac:spMk id="12" creationId="{C4BAF04C-05FA-01F0-9477-3DF5B7CA5EBB}"/>
-          </ac:spMkLst>
-        </pc:spChg>
-        <pc:graphicFrameChg chg="add mod">
-          <ac:chgData name="Krishna Kant Dubey" userId="cd28fa1e1902c48d" providerId="LiveId" clId="{84A4DE23-FED3-40A6-B3C6-7D297E08EAE1}" dt="2025-08-07T14:33:43.156" v="192"/>
-          <ac:graphicFrameMkLst>
-            <pc:docMk/>
-            <pc:sldMk cId="3493401632" sldId="264"/>
-            <ac:graphicFrameMk id="2" creationId="{E7F29FCC-9091-A6CB-1F60-98D09CF73692}"/>
-          </ac:graphicFrameMkLst>
-        </pc:graphicFrameChg>
-        <pc:graphicFrameChg chg="del mod modGraphic">
-          <ac:chgData name="Krishna Kant Dubey" userId="cd28fa1e1902c48d" providerId="LiveId" clId="{84A4DE23-FED3-40A6-B3C6-7D297E08EAE1}" dt="2025-08-07T14:35:14.950" v="204" actId="478"/>
-          <ac:graphicFrameMkLst>
-            <pc:docMk/>
-            <pc:sldMk cId="3493401632" sldId="264"/>
-            <ac:graphicFrameMk id="3" creationId="{07B44AC8-5757-B267-5A68-2F6C5CC014F0}"/>
-          </ac:graphicFrameMkLst>
-        </pc:graphicFrameChg>
-        <pc:graphicFrameChg chg="add mod">
-          <ac:chgData name="Krishna Kant Dubey" userId="cd28fa1e1902c48d" providerId="LiveId" clId="{84A4DE23-FED3-40A6-B3C6-7D297E08EAE1}" dt="2025-08-07T14:33:57.526" v="194"/>
-          <ac:graphicFrameMkLst>
-            <pc:docMk/>
-            <pc:sldMk cId="3493401632" sldId="264"/>
-            <ac:graphicFrameMk id="5" creationId="{5BA58B11-8AAB-0ADC-F3AE-352E7375CE80}"/>
-          </ac:graphicFrameMkLst>
-        </pc:graphicFrameChg>
-        <pc:graphicFrameChg chg="add mod">
-          <ac:chgData name="Krishna Kant Dubey" userId="cd28fa1e1902c48d" providerId="LiveId" clId="{84A4DE23-FED3-40A6-B3C6-7D297E08EAE1}" dt="2025-08-07T14:34:11.406" v="196"/>
-          <ac:graphicFrameMkLst>
-            <pc:docMk/>
-            <pc:sldMk cId="3493401632" sldId="264"/>
-            <ac:graphicFrameMk id="7" creationId="{AC137C75-CCE9-2CA6-097F-23F68F89E618}"/>
-          </ac:graphicFrameMkLst>
-        </pc:graphicFrameChg>
-        <pc:graphicFrameChg chg="add mod">
-          <ac:chgData name="Krishna Kant Dubey" userId="cd28fa1e1902c48d" providerId="LiveId" clId="{84A4DE23-FED3-40A6-B3C6-7D297E08EAE1}" dt="2025-08-07T14:34:32.623" v="198"/>
-          <ac:graphicFrameMkLst>
-            <pc:docMk/>
-            <pc:sldMk cId="3493401632" sldId="264"/>
-            <ac:graphicFrameMk id="10" creationId="{0F892739-9E02-43C8-AA23-09BD4DCE46B0}"/>
-          </ac:graphicFrameMkLst>
-        </pc:graphicFrameChg>
-        <pc:graphicFrameChg chg="add mod modGraphic">
-          <ac:chgData name="Krishna Kant Dubey" userId="cd28fa1e1902c48d" providerId="LiveId" clId="{84A4DE23-FED3-40A6-B3C6-7D297E08EAE1}" dt="2025-08-07T14:39:21.716" v="283" actId="108"/>
-          <ac:graphicFrameMkLst>
-            <pc:docMk/>
-            <pc:sldMk cId="3493401632" sldId="264"/>
-            <ac:graphicFrameMk id="13" creationId="{BB4595CF-7BC6-AB69-90C4-916B3FA8DFF0}"/>
-          </ac:graphicFrameMkLst>
-        </pc:graphicFrameChg>
       </pc:sldChg>
       <pc:sldChg chg="del">
         <pc:chgData name="Krishna Kant Dubey" userId="cd28fa1e1902c48d" providerId="LiveId" clId="{84A4DE23-FED3-40A6-B3C6-7D297E08EAE1}" dt="2025-08-07T14:27:27.763" v="108" actId="2696"/>
@@ -516,8 +411,8 @@
   </pc:docChgLst>
   <pc:docChgLst>
     <pc:chgData name="Krishna Kant Dubey" userId="cd28fa1e1902c48d" providerId="LiveId" clId="{7C4D63D3-B9B7-48B4-A008-9C5BB9CA59AA}"/>
-    <pc:docChg chg="modSld">
-      <pc:chgData name="Krishna Kant Dubey" userId="cd28fa1e1902c48d" providerId="LiveId" clId="{7C4D63D3-B9B7-48B4-A008-9C5BB9CA59AA}" dt="2025-08-08T12:26:03.214" v="4"/>
+    <pc:docChg chg="custSel addSld delSld modSld">
+      <pc:chgData name="Krishna Kant Dubey" userId="cd28fa1e1902c48d" providerId="LiveId" clId="{7C4D63D3-B9B7-48B4-A008-9C5BB9CA59AA}" dt="2025-08-11T06:12:10.394" v="236"/>
       <pc:docMkLst>
         <pc:docMk/>
       </pc:docMkLst>
@@ -536,6 +431,21 @@
           </ac:spMkLst>
         </pc:spChg>
       </pc:sldChg>
+      <pc:sldChg chg="addSp modSp">
+        <pc:chgData name="Krishna Kant Dubey" userId="cd28fa1e1902c48d" providerId="LiveId" clId="{7C4D63D3-B9B7-48B4-A008-9C5BB9CA59AA}" dt="2025-08-11T06:12:10.394" v="236"/>
+        <pc:sldMkLst>
+          <pc:docMk/>
+          <pc:sldMk cId="2381247086" sldId="257"/>
+        </pc:sldMkLst>
+        <pc:picChg chg="add mod">
+          <ac:chgData name="Krishna Kant Dubey" userId="cd28fa1e1902c48d" providerId="LiveId" clId="{7C4D63D3-B9B7-48B4-A008-9C5BB9CA59AA}" dt="2025-08-11T06:12:10.394" v="236"/>
+          <ac:picMkLst>
+            <pc:docMk/>
+            <pc:sldMk cId="2381247086" sldId="257"/>
+            <ac:picMk id="3" creationId="{49D86A38-3EE8-3EE8-6AF2-C0DB66DB3443}"/>
+          </ac:picMkLst>
+        </pc:picChg>
+      </pc:sldChg>
       <pc:sldChg chg="modSp">
         <pc:chgData name="Krishna Kant Dubey" userId="cd28fa1e1902c48d" providerId="LiveId" clId="{7C4D63D3-B9B7-48B4-A008-9C5BB9CA59AA}" dt="2025-08-08T12:26:03.214" v="4"/>
         <pc:sldMkLst>
@@ -548,6 +458,134 @@
             <pc:docMk/>
             <pc:sldMk cId="2701513036" sldId="259"/>
             <ac:spMk id="13" creationId="{459108AF-66D9-CD3C-DDCE-0CFFD70B496D}"/>
+          </ac:spMkLst>
+        </pc:spChg>
+      </pc:sldChg>
+      <pc:sldChg chg="addSp delSp modSp mod">
+        <pc:chgData name="Krishna Kant Dubey" userId="cd28fa1e1902c48d" providerId="LiveId" clId="{7C4D63D3-B9B7-48B4-A008-9C5BB9CA59AA}" dt="2025-08-08T12:40:51.027" v="62" actId="15"/>
+        <pc:sldMkLst>
+          <pc:docMk/>
+          <pc:sldMk cId="1248854694" sldId="262"/>
+        </pc:sldMkLst>
+        <pc:spChg chg="add mod">
+          <ac:chgData name="Krishna Kant Dubey" userId="cd28fa1e1902c48d" providerId="LiveId" clId="{7C4D63D3-B9B7-48B4-A008-9C5BB9CA59AA}" dt="2025-08-08T12:40:51.027" v="62" actId="15"/>
+          <ac:spMkLst>
+            <pc:docMk/>
+            <pc:sldMk cId="1248854694" sldId="262"/>
+            <ac:spMk id="4" creationId="{D8249DBE-F3AF-FBFC-485A-94CE0B91ABC8}"/>
+          </ac:spMkLst>
+        </pc:spChg>
+        <pc:spChg chg="mod">
+          <ac:chgData name="Krishna Kant Dubey" userId="cd28fa1e1902c48d" providerId="LiveId" clId="{7C4D63D3-B9B7-48B4-A008-9C5BB9CA59AA}" dt="2025-08-08T12:38:59.776" v="10"/>
+          <ac:spMkLst>
+            <pc:docMk/>
+            <pc:sldMk cId="1248854694" sldId="262"/>
+            <ac:spMk id="12" creationId="{5AF4F4BF-6716-49E6-9582-E583D0D30CE3}"/>
+          </ac:spMkLst>
+        </pc:spChg>
+      </pc:sldChg>
+      <pc:sldChg chg="addSp delSp modSp mod chgLayout">
+        <pc:chgData name="Krishna Kant Dubey" userId="cd28fa1e1902c48d" providerId="LiveId" clId="{7C4D63D3-B9B7-48B4-A008-9C5BB9CA59AA}" dt="2025-08-08T12:43:17.544" v="119" actId="207"/>
+        <pc:sldMkLst>
+          <pc:docMk/>
+          <pc:sldMk cId="349747687" sldId="263"/>
+        </pc:sldMkLst>
+        <pc:spChg chg="add mod ord">
+          <ac:chgData name="Krishna Kant Dubey" userId="cd28fa1e1902c48d" providerId="LiveId" clId="{7C4D63D3-B9B7-48B4-A008-9C5BB9CA59AA}" dt="2025-08-08T12:43:17.544" v="119" actId="207"/>
+          <ac:spMkLst>
+            <pc:docMk/>
+            <pc:sldMk cId="349747687" sldId="263"/>
+            <ac:spMk id="3" creationId="{F2AB57C8-3590-AB0B-0971-0BDEAFA085D8}"/>
+          </ac:spMkLst>
+        </pc:spChg>
+        <pc:spChg chg="mod ord">
+          <ac:chgData name="Krishna Kant Dubey" userId="cd28fa1e1902c48d" providerId="LiveId" clId="{7C4D63D3-B9B7-48B4-A008-9C5BB9CA59AA}" dt="2025-08-08T12:41:38.342" v="69" actId="20577"/>
+          <ac:spMkLst>
+            <pc:docMk/>
+            <pc:sldMk cId="349747687" sldId="263"/>
+            <ac:spMk id="12" creationId="{8EF55225-7A9D-D092-D512-6583849764F6}"/>
+          </ac:spMkLst>
+        </pc:spChg>
+      </pc:sldChg>
+      <pc:sldChg chg="del">
+        <pc:chgData name="Krishna Kant Dubey" userId="cd28fa1e1902c48d" providerId="LiveId" clId="{7C4D63D3-B9B7-48B4-A008-9C5BB9CA59AA}" dt="2025-08-08T12:52:04.484" v="179" actId="2696"/>
+        <pc:sldMkLst>
+          <pc:docMk/>
+          <pc:sldMk cId="3493401632" sldId="264"/>
+        </pc:sldMkLst>
+      </pc:sldChg>
+      <pc:sldChg chg="modSp mod">
+        <pc:chgData name="Krishna Kant Dubey" userId="cd28fa1e1902c48d" providerId="LiveId" clId="{7C4D63D3-B9B7-48B4-A008-9C5BB9CA59AA}" dt="2025-08-08T12:38:30.888" v="9" actId="14100"/>
+        <pc:sldMkLst>
+          <pc:docMk/>
+          <pc:sldMk cId="1656214928" sldId="270"/>
+        </pc:sldMkLst>
+        <pc:spChg chg="mod">
+          <ac:chgData name="Krishna Kant Dubey" userId="cd28fa1e1902c48d" providerId="LiveId" clId="{7C4D63D3-B9B7-48B4-A008-9C5BB9CA59AA}" dt="2025-08-08T12:38:27.102" v="8"/>
+          <ac:spMkLst>
+            <pc:docMk/>
+            <pc:sldMk cId="1656214928" sldId="270"/>
+            <ac:spMk id="12" creationId="{4205925A-A979-3A62-B8A3-D5A8CA50DA5E}"/>
+          </ac:spMkLst>
+        </pc:spChg>
+        <pc:spChg chg="mod">
+          <ac:chgData name="Krishna Kant Dubey" userId="cd28fa1e1902c48d" providerId="LiveId" clId="{7C4D63D3-B9B7-48B4-A008-9C5BB9CA59AA}" dt="2025-08-08T12:38:30.888" v="9" actId="14100"/>
+          <ac:spMkLst>
+            <pc:docMk/>
+            <pc:sldMk cId="1656214928" sldId="270"/>
+            <ac:spMk id="13" creationId="{43FAB249-6242-1FB9-347E-73A75BCA13BB}"/>
+          </ac:spMkLst>
+        </pc:spChg>
+      </pc:sldChg>
+      <pc:sldChg chg="del">
+        <pc:chgData name="Krishna Kant Dubey" userId="cd28fa1e1902c48d" providerId="LiveId" clId="{7C4D63D3-B9B7-48B4-A008-9C5BB9CA59AA}" dt="2025-08-08T12:59:28.598" v="235" actId="2696"/>
+        <pc:sldMkLst>
+          <pc:docMk/>
+          <pc:sldMk cId="1989374203" sldId="271"/>
+        </pc:sldMkLst>
+      </pc:sldChg>
+      <pc:sldChg chg="del">
+        <pc:chgData name="Krishna Kant Dubey" userId="cd28fa1e1902c48d" providerId="LiveId" clId="{7C4D63D3-B9B7-48B4-A008-9C5BB9CA59AA}" dt="2025-08-08T12:59:28.598" v="235" actId="2696"/>
+        <pc:sldMkLst>
+          <pc:docMk/>
+          <pc:sldMk cId="3540460090" sldId="272"/>
+        </pc:sldMkLst>
+      </pc:sldChg>
+      <pc:sldChg chg="modSp new mod">
+        <pc:chgData name="Krishna Kant Dubey" userId="cd28fa1e1902c48d" providerId="LiveId" clId="{7C4D63D3-B9B7-48B4-A008-9C5BB9CA59AA}" dt="2025-08-08T12:49:31.182" v="178" actId="14100"/>
+        <pc:sldMkLst>
+          <pc:docMk/>
+          <pc:sldMk cId="2677161131" sldId="273"/>
+        </pc:sldMkLst>
+        <pc:spChg chg="mod">
+          <ac:chgData name="Krishna Kant Dubey" userId="cd28fa1e1902c48d" providerId="LiveId" clId="{7C4D63D3-B9B7-48B4-A008-9C5BB9CA59AA}" dt="2025-08-08T12:49:11.115" v="176" actId="14100"/>
+          <ac:spMkLst>
+            <pc:docMk/>
+            <pc:sldMk cId="2677161131" sldId="273"/>
+            <ac:spMk id="2" creationId="{FDD2D43C-6F4D-1173-530C-E3081232D541}"/>
+          </ac:spMkLst>
+        </pc:spChg>
+        <pc:spChg chg="mod">
+          <ac:chgData name="Krishna Kant Dubey" userId="cd28fa1e1902c48d" providerId="LiveId" clId="{7C4D63D3-B9B7-48B4-A008-9C5BB9CA59AA}" dt="2025-08-08T12:49:31.182" v="178" actId="14100"/>
+          <ac:spMkLst>
+            <pc:docMk/>
+            <pc:sldMk cId="2677161131" sldId="273"/>
+            <ac:spMk id="3" creationId="{42D72F37-B2B8-34DE-35CD-6E2743850362}"/>
+          </ac:spMkLst>
+        </pc:spChg>
+      </pc:sldChg>
+      <pc:sldChg chg="modSp add mod">
+        <pc:chgData name="Krishna Kant Dubey" userId="cd28fa1e1902c48d" providerId="LiveId" clId="{7C4D63D3-B9B7-48B4-A008-9C5BB9CA59AA}" dt="2025-08-08T12:54:40.624" v="234" actId="12"/>
+        <pc:sldMkLst>
+          <pc:docMk/>
+          <pc:sldMk cId="1716240648" sldId="274"/>
+        </pc:sldMkLst>
+        <pc:spChg chg="mod">
+          <ac:chgData name="Krishna Kant Dubey" userId="cd28fa1e1902c48d" providerId="LiveId" clId="{7C4D63D3-B9B7-48B4-A008-9C5BB9CA59AA}" dt="2025-08-08T12:54:40.624" v="234" actId="12"/>
+          <ac:spMkLst>
+            <pc:docMk/>
+            <pc:sldMk cId="1716240648" sldId="274"/>
+            <ac:spMk id="3" creationId="{A6CCEA4A-D201-F18C-CE2D-51BB7A404C66}"/>
           </ac:spMkLst>
         </pc:spChg>
       </pc:sldChg>
@@ -596,22 +634,6 @@
           <pc:docMk/>
           <pc:sldMk cId="1248854694" sldId="262"/>
         </pc:sldMkLst>
-        <pc:spChg chg="del mod">
-          <ac:chgData name="Krishna Kant Dubey" userId="cd28fa1e1902c48d" providerId="LiveId" clId="{F3C5F2BA-F452-4AB9-BD00-EA8AA37CF020}" dt="2025-08-08T07:45:15.885" v="52" actId="478"/>
-          <ac:spMkLst>
-            <pc:docMk/>
-            <pc:sldMk cId="1248854694" sldId="262"/>
-            <ac:spMk id="2" creationId="{8FB604A4-D687-2C4C-32B9-200BFDD9E2B7}"/>
-          </ac:spMkLst>
-        </pc:spChg>
-        <pc:spChg chg="add mod">
-          <ac:chgData name="Krishna Kant Dubey" userId="cd28fa1e1902c48d" providerId="LiveId" clId="{F3C5F2BA-F452-4AB9-BD00-EA8AA37CF020}" dt="2025-08-08T09:39:58.203" v="356" actId="20577"/>
-          <ac:spMkLst>
-            <pc:docMk/>
-            <pc:sldMk cId="1248854694" sldId="262"/>
-            <ac:spMk id="3" creationId="{F4F21FAC-EB88-4BC1-8687-3E32C62F0612}"/>
-          </ac:spMkLst>
-        </pc:spChg>
         <pc:spChg chg="mod">
           <ac:chgData name="Krishna Kant Dubey" userId="cd28fa1e1902c48d" providerId="LiveId" clId="{F3C5F2BA-F452-4AB9-BD00-EA8AA37CF020}" dt="2025-08-08T07:46:15.474" v="61" actId="20577"/>
           <ac:spMkLst>
@@ -643,22 +665,6 @@
             <ac:spMk id="12" creationId="{8EF55225-7A9D-D092-D512-6583849764F6}"/>
           </ac:spMkLst>
         </pc:spChg>
-        <pc:graphicFrameChg chg="add mod modGraphic">
-          <ac:chgData name="Krishna Kant Dubey" userId="cd28fa1e1902c48d" providerId="LiveId" clId="{F3C5F2BA-F452-4AB9-BD00-EA8AA37CF020}" dt="2025-08-08T09:10:13.962" v="295" actId="255"/>
-          <ac:graphicFrameMkLst>
-            <pc:docMk/>
-            <pc:sldMk cId="349747687" sldId="263"/>
-            <ac:graphicFrameMk id="2" creationId="{E6304D91-EAA3-83D2-F49A-F69147DC9D94}"/>
-          </ac:graphicFrameMkLst>
-        </pc:graphicFrameChg>
-        <pc:graphicFrameChg chg="del">
-          <ac:chgData name="Krishna Kant Dubey" userId="cd28fa1e1902c48d" providerId="LiveId" clId="{F3C5F2BA-F452-4AB9-BD00-EA8AA37CF020}" dt="2025-08-08T07:48:21.529" v="79" actId="478"/>
-          <ac:graphicFrameMkLst>
-            <pc:docMk/>
-            <pc:sldMk cId="349747687" sldId="263"/>
-            <ac:graphicFrameMk id="3" creationId="{EA74A5B0-444A-7D50-60F6-B02884260566}"/>
-          </ac:graphicFrameMkLst>
-        </pc:graphicFrameChg>
         <pc:picChg chg="mod">
           <ac:chgData name="Krishna Kant Dubey" userId="cd28fa1e1902c48d" providerId="LiveId" clId="{F3C5F2BA-F452-4AB9-BD00-EA8AA37CF020}" dt="2025-08-08T08:18:28.942" v="183" actId="14100"/>
           <ac:picMkLst>
@@ -674,30 +680,6 @@
           <pc:docMk/>
           <pc:sldMk cId="3493401632" sldId="264"/>
         </pc:sldMkLst>
-        <pc:spChg chg="mod">
-          <ac:chgData name="Krishna Kant Dubey" userId="cd28fa1e1902c48d" providerId="LiveId" clId="{F3C5F2BA-F452-4AB9-BD00-EA8AA37CF020}" dt="2025-08-08T09:13:50.033" v="315" actId="113"/>
-          <ac:spMkLst>
-            <pc:docMk/>
-            <pc:sldMk cId="3493401632" sldId="264"/>
-            <ac:spMk id="12" creationId="{C4BAF04C-05FA-01F0-9477-3DF5B7CA5EBB}"/>
-          </ac:spMkLst>
-        </pc:spChg>
-        <pc:graphicFrameChg chg="add mod modGraphic">
-          <ac:chgData name="Krishna Kant Dubey" userId="cd28fa1e1902c48d" providerId="LiveId" clId="{F3C5F2BA-F452-4AB9-BD00-EA8AA37CF020}" dt="2025-08-08T09:05:48.355" v="254" actId="14100"/>
-          <ac:graphicFrameMkLst>
-            <pc:docMk/>
-            <pc:sldMk cId="3493401632" sldId="264"/>
-            <ac:graphicFrameMk id="2" creationId="{30A13269-7C92-01D8-9D84-FC05DCF6CBC6}"/>
-          </ac:graphicFrameMkLst>
-        </pc:graphicFrameChg>
-        <pc:graphicFrameChg chg="del">
-          <ac:chgData name="Krishna Kant Dubey" userId="cd28fa1e1902c48d" providerId="LiveId" clId="{F3C5F2BA-F452-4AB9-BD00-EA8AA37CF020}" dt="2025-08-08T08:18:38.312" v="184" actId="478"/>
-          <ac:graphicFrameMkLst>
-            <pc:docMk/>
-            <pc:sldMk cId="3493401632" sldId="264"/>
-            <ac:graphicFrameMk id="13" creationId="{BB4595CF-7BC6-AB69-90C4-916B3FA8DFF0}"/>
-          </ac:graphicFrameMkLst>
-        </pc:graphicFrameChg>
       </pc:sldChg>
       <pc:sldChg chg="modSp add mod">
         <pc:chgData name="Krishna Kant Dubey" userId="cd28fa1e1902c48d" providerId="LiveId" clId="{F3C5F2BA-F452-4AB9-BD00-EA8AA37CF020}" dt="2025-08-08T09:13:34.554" v="314"/>
@@ -705,22 +687,6 @@
           <pc:docMk/>
           <pc:sldMk cId="3516519149" sldId="265"/>
         </pc:sldMkLst>
-        <pc:spChg chg="mod">
-          <ac:chgData name="Krishna Kant Dubey" userId="cd28fa1e1902c48d" providerId="LiveId" clId="{F3C5F2BA-F452-4AB9-BD00-EA8AA37CF020}" dt="2025-08-08T09:12:28.121" v="308" actId="207"/>
-          <ac:spMkLst>
-            <pc:docMk/>
-            <pc:sldMk cId="3516519149" sldId="265"/>
-            <ac:spMk id="12" creationId="{92DDACC0-04F0-FD39-C9D1-3BFBB76CAA4E}"/>
-          </ac:spMkLst>
-        </pc:spChg>
-        <pc:graphicFrameChg chg="mod">
-          <ac:chgData name="Krishna Kant Dubey" userId="cd28fa1e1902c48d" providerId="LiveId" clId="{F3C5F2BA-F452-4AB9-BD00-EA8AA37CF020}" dt="2025-08-08T09:13:34.554" v="314"/>
-          <ac:graphicFrameMkLst>
-            <pc:docMk/>
-            <pc:sldMk cId="3516519149" sldId="265"/>
-            <ac:graphicFrameMk id="2" creationId="{8A81C769-3A65-4AF8-9A77-EBDF295A95EC}"/>
-          </ac:graphicFrameMkLst>
-        </pc:graphicFrameChg>
       </pc:sldChg>
       <pc:sldChg chg="modSp add mod">
         <pc:chgData name="Krishna Kant Dubey" userId="cd28fa1e1902c48d" providerId="LiveId" clId="{F3C5F2BA-F452-4AB9-BD00-EA8AA37CF020}" dt="2025-08-08T09:28:47.397" v="326" actId="113"/>
@@ -728,22 +694,6 @@
           <pc:docMk/>
           <pc:sldMk cId="2771002345" sldId="266"/>
         </pc:sldMkLst>
-        <pc:spChg chg="mod">
-          <ac:chgData name="Krishna Kant Dubey" userId="cd28fa1e1902c48d" providerId="LiveId" clId="{F3C5F2BA-F452-4AB9-BD00-EA8AA37CF020}" dt="2025-08-08T09:28:47.397" v="326" actId="113"/>
-          <ac:spMkLst>
-            <pc:docMk/>
-            <pc:sldMk cId="2771002345" sldId="266"/>
-            <ac:spMk id="12" creationId="{22B0E99B-D97E-82CF-3B54-497D2E42DD71}"/>
-          </ac:spMkLst>
-        </pc:spChg>
-        <pc:graphicFrameChg chg="mod">
-          <ac:chgData name="Krishna Kant Dubey" userId="cd28fa1e1902c48d" providerId="LiveId" clId="{F3C5F2BA-F452-4AB9-BD00-EA8AA37CF020}" dt="2025-08-08T09:17:22.537" v="325"/>
-          <ac:graphicFrameMkLst>
-            <pc:docMk/>
-            <pc:sldMk cId="2771002345" sldId="266"/>
-            <ac:graphicFrameMk id="2" creationId="{3943F2F4-0B8E-582A-11F2-5E985C8237C7}"/>
-          </ac:graphicFrameMkLst>
-        </pc:graphicFrameChg>
       </pc:sldChg>
       <pc:sldChg chg="modSp add mod">
         <pc:chgData name="Krishna Kant Dubey" userId="cd28fa1e1902c48d" providerId="LiveId" clId="{F3C5F2BA-F452-4AB9-BD00-EA8AA37CF020}" dt="2025-08-08T09:31:38.355" v="336"/>
@@ -751,22 +701,6 @@
           <pc:docMk/>
           <pc:sldMk cId="516439473" sldId="267"/>
         </pc:sldMkLst>
-        <pc:spChg chg="mod">
-          <ac:chgData name="Krishna Kant Dubey" userId="cd28fa1e1902c48d" providerId="LiveId" clId="{F3C5F2BA-F452-4AB9-BD00-EA8AA37CF020}" dt="2025-08-08T09:30:00.876" v="330" actId="207"/>
-          <ac:spMkLst>
-            <pc:docMk/>
-            <pc:sldMk cId="516439473" sldId="267"/>
-            <ac:spMk id="12" creationId="{B90E07E1-AD9B-BC34-0AA9-101314613D84}"/>
-          </ac:spMkLst>
-        </pc:spChg>
-        <pc:graphicFrameChg chg="mod">
-          <ac:chgData name="Krishna Kant Dubey" userId="cd28fa1e1902c48d" providerId="LiveId" clId="{F3C5F2BA-F452-4AB9-BD00-EA8AA37CF020}" dt="2025-08-08T09:31:38.355" v="336"/>
-          <ac:graphicFrameMkLst>
-            <pc:docMk/>
-            <pc:sldMk cId="516439473" sldId="267"/>
-            <ac:graphicFrameMk id="2" creationId="{F37B8C10-DBCC-1F8F-90BC-3BC63C305951}"/>
-          </ac:graphicFrameMkLst>
-        </pc:graphicFrameChg>
       </pc:sldChg>
       <pc:sldChg chg="addSp modSp add mod">
         <pc:chgData name="Krishna Kant Dubey" userId="cd28fa1e1902c48d" providerId="LiveId" clId="{F3C5F2BA-F452-4AB9-BD00-EA8AA37CF020}" dt="2025-08-08T09:39:40.850" v="355" actId="113"/>
@@ -774,70 +708,6 @@
           <pc:docMk/>
           <pc:sldMk cId="4138379922" sldId="268"/>
         </pc:sldMkLst>
-        <pc:spChg chg="add mod">
-          <ac:chgData name="Krishna Kant Dubey" userId="cd28fa1e1902c48d" providerId="LiveId" clId="{F3C5F2BA-F452-4AB9-BD00-EA8AA37CF020}" dt="2025-08-08T09:36:52.463" v="344"/>
-          <ac:spMkLst>
-            <pc:docMk/>
-            <pc:sldMk cId="4138379922" sldId="268"/>
-            <ac:spMk id="5" creationId="{9BC7E600-8EC8-BF1F-F43D-91A722337460}"/>
-          </ac:spMkLst>
-        </pc:spChg>
-        <pc:spChg chg="add mod">
-          <ac:chgData name="Krishna Kant Dubey" userId="cd28fa1e1902c48d" providerId="LiveId" clId="{F3C5F2BA-F452-4AB9-BD00-EA8AA37CF020}" dt="2025-08-08T09:37:11.841" v="346"/>
-          <ac:spMkLst>
-            <pc:docMk/>
-            <pc:sldMk cId="4138379922" sldId="268"/>
-            <ac:spMk id="8" creationId="{BBF57219-3216-CE6C-7812-1F605A08BCC8}"/>
-          </ac:spMkLst>
-        </pc:spChg>
-        <pc:spChg chg="mod">
-          <ac:chgData name="Krishna Kant Dubey" userId="cd28fa1e1902c48d" providerId="LiveId" clId="{F3C5F2BA-F452-4AB9-BD00-EA8AA37CF020}" dt="2025-08-08T09:39:40.850" v="355" actId="113"/>
-          <ac:spMkLst>
-            <pc:docMk/>
-            <pc:sldMk cId="4138379922" sldId="268"/>
-            <ac:spMk id="12" creationId="{4228B23B-A752-9F83-304F-E994E3E509D9}"/>
-          </ac:spMkLst>
-        </pc:spChg>
-        <pc:graphicFrameChg chg="mod">
-          <ac:chgData name="Krishna Kant Dubey" userId="cd28fa1e1902c48d" providerId="LiveId" clId="{F3C5F2BA-F452-4AB9-BD00-EA8AA37CF020}" dt="2025-08-08T09:39:07.302" v="354"/>
-          <ac:graphicFrameMkLst>
-            <pc:docMk/>
-            <pc:sldMk cId="4138379922" sldId="268"/>
-            <ac:graphicFrameMk id="2" creationId="{408D8F4A-5DA4-FE03-74C0-826DD05B762C}"/>
-          </ac:graphicFrameMkLst>
-        </pc:graphicFrameChg>
-        <pc:graphicFrameChg chg="add mod">
-          <ac:chgData name="Krishna Kant Dubey" userId="cd28fa1e1902c48d" providerId="LiveId" clId="{F3C5F2BA-F452-4AB9-BD00-EA8AA37CF020}" dt="2025-08-08T09:36:51.193" v="343"/>
-          <ac:graphicFrameMkLst>
-            <pc:docMk/>
-            <pc:sldMk cId="4138379922" sldId="268"/>
-            <ac:graphicFrameMk id="3" creationId="{4615C677-AA10-2B0A-8598-174752AAD726}"/>
-          </ac:graphicFrameMkLst>
-        </pc:graphicFrameChg>
-        <pc:graphicFrameChg chg="add mod">
-          <ac:chgData name="Krishna Kant Dubey" userId="cd28fa1e1902c48d" providerId="LiveId" clId="{F3C5F2BA-F452-4AB9-BD00-EA8AA37CF020}" dt="2025-08-08T09:36:51.193" v="343"/>
-          <ac:graphicFrameMkLst>
-            <pc:docMk/>
-            <pc:sldMk cId="4138379922" sldId="268"/>
-            <ac:graphicFrameMk id="4" creationId="{E2228E2B-0E94-007D-7749-F6A7017967DE}"/>
-          </ac:graphicFrameMkLst>
-        </pc:graphicFrameChg>
-        <pc:graphicFrameChg chg="add mod">
-          <ac:chgData name="Krishna Kant Dubey" userId="cd28fa1e1902c48d" providerId="LiveId" clId="{F3C5F2BA-F452-4AB9-BD00-EA8AA37CF020}" dt="2025-08-08T09:37:10.518" v="345"/>
-          <ac:graphicFrameMkLst>
-            <pc:docMk/>
-            <pc:sldMk cId="4138379922" sldId="268"/>
-            <ac:graphicFrameMk id="6" creationId="{9AC9ADF4-95F9-59E1-D864-7B6710755961}"/>
-          </ac:graphicFrameMkLst>
-        </pc:graphicFrameChg>
-        <pc:graphicFrameChg chg="add mod">
-          <ac:chgData name="Krishna Kant Dubey" userId="cd28fa1e1902c48d" providerId="LiveId" clId="{F3C5F2BA-F452-4AB9-BD00-EA8AA37CF020}" dt="2025-08-08T09:37:10.518" v="345"/>
-          <ac:graphicFrameMkLst>
-            <pc:docMk/>
-            <pc:sldMk cId="4138379922" sldId="268"/>
-            <ac:graphicFrameMk id="7" creationId="{349E1567-564D-8D46-EEB4-3ED28E816A5A}"/>
-          </ac:graphicFrameMkLst>
-        </pc:graphicFrameChg>
       </pc:sldChg>
       <pc:sldChg chg="addSp modSp add">
         <pc:chgData name="Krishna Kant Dubey" userId="cd28fa1e1902c48d" providerId="LiveId" clId="{F3C5F2BA-F452-4AB9-BD00-EA8AA37CF020}" dt="2025-08-08T09:32:58.697" v="342"/>
@@ -845,54 +715,6 @@
           <pc:docMk/>
           <pc:sldMk cId="4212594746" sldId="269"/>
         </pc:sldMkLst>
-        <pc:spChg chg="add mod">
-          <ac:chgData name="Krishna Kant Dubey" userId="cd28fa1e1902c48d" providerId="LiveId" clId="{F3C5F2BA-F452-4AB9-BD00-EA8AA37CF020}" dt="2025-08-08T09:32:47.369" v="340"/>
-          <ac:spMkLst>
-            <pc:docMk/>
-            <pc:sldMk cId="4212594746" sldId="269"/>
-            <ac:spMk id="5" creationId="{FB8882AD-E807-2907-40ED-C7409E18537D}"/>
-          </ac:spMkLst>
-        </pc:spChg>
-        <pc:spChg chg="add mod">
-          <ac:chgData name="Krishna Kant Dubey" userId="cd28fa1e1902c48d" providerId="LiveId" clId="{F3C5F2BA-F452-4AB9-BD00-EA8AA37CF020}" dt="2025-08-08T09:32:58.697" v="342"/>
-          <ac:spMkLst>
-            <pc:docMk/>
-            <pc:sldMk cId="4212594746" sldId="269"/>
-            <ac:spMk id="8" creationId="{38C331AE-F8B0-45E0-9F59-A99926BA4A30}"/>
-          </ac:spMkLst>
-        </pc:spChg>
-        <pc:graphicFrameChg chg="add mod">
-          <ac:chgData name="Krishna Kant Dubey" userId="cd28fa1e1902c48d" providerId="LiveId" clId="{F3C5F2BA-F452-4AB9-BD00-EA8AA37CF020}" dt="2025-08-08T09:32:45.964" v="339"/>
-          <ac:graphicFrameMkLst>
-            <pc:docMk/>
-            <pc:sldMk cId="4212594746" sldId="269"/>
-            <ac:graphicFrameMk id="3" creationId="{2AD66583-C78E-136D-6C88-21A2E888FC8D}"/>
-          </ac:graphicFrameMkLst>
-        </pc:graphicFrameChg>
-        <pc:graphicFrameChg chg="add mod">
-          <ac:chgData name="Krishna Kant Dubey" userId="cd28fa1e1902c48d" providerId="LiveId" clId="{F3C5F2BA-F452-4AB9-BD00-EA8AA37CF020}" dt="2025-08-08T09:32:45.964" v="339"/>
-          <ac:graphicFrameMkLst>
-            <pc:docMk/>
-            <pc:sldMk cId="4212594746" sldId="269"/>
-            <ac:graphicFrameMk id="4" creationId="{00FCE0A9-7AFF-6835-431E-700D39526BE5}"/>
-          </ac:graphicFrameMkLst>
-        </pc:graphicFrameChg>
-        <pc:graphicFrameChg chg="add mod">
-          <ac:chgData name="Krishna Kant Dubey" userId="cd28fa1e1902c48d" providerId="LiveId" clId="{F3C5F2BA-F452-4AB9-BD00-EA8AA37CF020}" dt="2025-08-08T09:32:57.314" v="341"/>
-          <ac:graphicFrameMkLst>
-            <pc:docMk/>
-            <pc:sldMk cId="4212594746" sldId="269"/>
-            <ac:graphicFrameMk id="6" creationId="{4AC09C06-C81D-B931-54D8-D00B94605303}"/>
-          </ac:graphicFrameMkLst>
-        </pc:graphicFrameChg>
-        <pc:graphicFrameChg chg="add mod">
-          <ac:chgData name="Krishna Kant Dubey" userId="cd28fa1e1902c48d" providerId="LiveId" clId="{F3C5F2BA-F452-4AB9-BD00-EA8AA37CF020}" dt="2025-08-08T09:32:57.314" v="341"/>
-          <ac:graphicFrameMkLst>
-            <pc:docMk/>
-            <pc:sldMk cId="4212594746" sldId="269"/>
-            <ac:graphicFrameMk id="7" creationId="{AF92A1C7-8310-153E-1133-62C128342415}"/>
-          </ac:graphicFrameMkLst>
-        </pc:graphicFrameChg>
       </pc:sldChg>
     </pc:docChg>
   </pc:docChgLst>
@@ -1066,14 +888,6 @@
           <pc:docMk/>
           <pc:sldMk cId="1248854694" sldId="262"/>
         </pc:sldMkLst>
-        <pc:spChg chg="del mod">
-          <ac:chgData name="Krishna Kant Dubey" userId="cd28fa1e1902c48d" providerId="LiveId" clId="{9D7DB283-8459-4206-96E2-B01EAFFF9444}" dt="2025-08-08T09:43:25.725" v="10" actId="3680"/>
-          <ac:spMkLst>
-            <pc:docMk/>
-            <pc:sldMk cId="1248854694" sldId="262"/>
-            <ac:spMk id="3" creationId="{F4F21FAC-EB88-4BC1-8687-3E32C62F0612}"/>
-          </ac:spMkLst>
-        </pc:spChg>
         <pc:spChg chg="mod">
           <ac:chgData name="Krishna Kant Dubey" userId="cd28fa1e1902c48d" providerId="LiveId" clId="{9D7DB283-8459-4206-96E2-B01EAFFF9444}" dt="2025-08-08T09:52:06.685" v="45" actId="207"/>
           <ac:spMkLst>
@@ -1082,14 +896,6 @@
             <ac:spMk id="12" creationId="{5AF4F4BF-6716-49E6-9582-E583D0D30CE3}"/>
           </ac:spMkLst>
         </pc:spChg>
-        <pc:graphicFrameChg chg="add mod ord modGraphic">
-          <ac:chgData name="Krishna Kant Dubey" userId="cd28fa1e1902c48d" providerId="LiveId" clId="{9D7DB283-8459-4206-96E2-B01EAFFF9444}" dt="2025-08-08T10:17:28.089" v="179" actId="12385"/>
-          <ac:graphicFrameMkLst>
-            <pc:docMk/>
-            <pc:sldMk cId="1248854694" sldId="262"/>
-            <ac:graphicFrameMk id="2" creationId="{5F893996-262C-FFAE-1E2B-A4B0D201D2AC}"/>
-          </ac:graphicFrameMkLst>
-        </pc:graphicFrameChg>
       </pc:sldChg>
       <pc:sldChg chg="modSp mod">
         <pc:chgData name="Krishna Kant Dubey" userId="cd28fa1e1902c48d" providerId="LiveId" clId="{9D7DB283-8459-4206-96E2-B01EAFFF9444}" dt="2025-08-08T10:33:11.353" v="197" actId="12385"/>
@@ -1105,14 +911,6 @@
             <ac:spMk id="12" creationId="{8EF55225-7A9D-D092-D512-6583849764F6}"/>
           </ac:spMkLst>
         </pc:spChg>
-        <pc:graphicFrameChg chg="mod modGraphic">
-          <ac:chgData name="Krishna Kant Dubey" userId="cd28fa1e1902c48d" providerId="LiveId" clId="{9D7DB283-8459-4206-96E2-B01EAFFF9444}" dt="2025-08-08T10:33:11.353" v="197" actId="12385"/>
-          <ac:graphicFrameMkLst>
-            <pc:docMk/>
-            <pc:sldMk cId="349747687" sldId="263"/>
-            <ac:graphicFrameMk id="2" creationId="{E6304D91-EAA3-83D2-F49A-F69147DC9D94}"/>
-          </ac:graphicFrameMkLst>
-        </pc:graphicFrameChg>
       </pc:sldChg>
       <pc:sldChg chg="addSp delSp modSp mod chgLayout">
         <pc:chgData name="Krishna Kant Dubey" userId="cd28fa1e1902c48d" providerId="LiveId" clId="{9D7DB283-8459-4206-96E2-B01EAFFF9444}" dt="2025-08-08T10:05:13.270" v="142" actId="108"/>
@@ -1120,38 +918,6 @@
           <pc:docMk/>
           <pc:sldMk cId="3493401632" sldId="264"/>
         </pc:sldMkLst>
-        <pc:spChg chg="add mod ord">
-          <ac:chgData name="Krishna Kant Dubey" userId="cd28fa1e1902c48d" providerId="LiveId" clId="{9D7DB283-8459-4206-96E2-B01EAFFF9444}" dt="2025-08-08T10:05:13.270" v="142" actId="108"/>
-          <ac:spMkLst>
-            <pc:docMk/>
-            <pc:sldMk cId="3493401632" sldId="264"/>
-            <ac:spMk id="3" creationId="{BBFA249B-BA43-2952-B2E0-5A59FADAECE6}"/>
-          </ac:spMkLst>
-        </pc:spChg>
-        <pc:spChg chg="mod ord">
-          <ac:chgData name="Krishna Kant Dubey" userId="cd28fa1e1902c48d" providerId="LiveId" clId="{9D7DB283-8459-4206-96E2-B01EAFFF9444}" dt="2025-08-08T10:02:25.496" v="115" actId="700"/>
-          <ac:spMkLst>
-            <pc:docMk/>
-            <pc:sldMk cId="3493401632" sldId="264"/>
-            <ac:spMk id="12" creationId="{C4BAF04C-05FA-01F0-9477-3DF5B7CA5EBB}"/>
-          </ac:spMkLst>
-        </pc:spChg>
-        <pc:graphicFrameChg chg="del">
-          <ac:chgData name="Krishna Kant Dubey" userId="cd28fa1e1902c48d" providerId="LiveId" clId="{9D7DB283-8459-4206-96E2-B01EAFFF9444}" dt="2025-08-08T10:00:26.850" v="69" actId="478"/>
-          <ac:graphicFrameMkLst>
-            <pc:docMk/>
-            <pc:sldMk cId="3493401632" sldId="264"/>
-            <ac:graphicFrameMk id="2" creationId="{30A13269-7C92-01D8-9D84-FC05DCF6CBC6}"/>
-          </ac:graphicFrameMkLst>
-        </pc:graphicFrameChg>
-        <pc:picChg chg="mod">
-          <ac:chgData name="Krishna Kant Dubey" userId="cd28fa1e1902c48d" providerId="LiveId" clId="{9D7DB283-8459-4206-96E2-B01EAFFF9444}" dt="2025-08-08T10:01:20.466" v="107" actId="1076"/>
-          <ac:picMkLst>
-            <pc:docMk/>
-            <pc:sldMk cId="3493401632" sldId="264"/>
-            <ac:picMk id="9" creationId="{70788C14-16D8-0AEA-6035-1F8144EC7CF4}"/>
-          </ac:picMkLst>
-        </pc:picChg>
       </pc:sldChg>
       <pc:sldChg chg="del">
         <pc:chgData name="Krishna Kant Dubey" userId="cd28fa1e1902c48d" providerId="LiveId" clId="{9D7DB283-8459-4206-96E2-B01EAFFF9444}" dt="2025-08-08T10:18:33.067" v="183" actId="2696"/>
@@ -1224,30 +990,6 @@
           <pc:docMk/>
           <pc:sldMk cId="1989374203" sldId="271"/>
         </pc:sldMkLst>
-        <pc:spChg chg="mod">
-          <ac:chgData name="Krishna Kant Dubey" userId="cd28fa1e1902c48d" providerId="LiveId" clId="{9D7DB283-8459-4206-96E2-B01EAFFF9444}" dt="2025-08-08T10:12:46.090" v="146" actId="207"/>
-          <ac:spMkLst>
-            <pc:docMk/>
-            <pc:sldMk cId="1989374203" sldId="271"/>
-            <ac:spMk id="2" creationId="{89CE0020-367A-7A16-22EA-15386A3143C0}"/>
-          </ac:spMkLst>
-        </pc:spChg>
-        <pc:spChg chg="del">
-          <ac:chgData name="Krishna Kant Dubey" userId="cd28fa1e1902c48d" providerId="LiveId" clId="{9D7DB283-8459-4206-96E2-B01EAFFF9444}" dt="2025-08-08T10:13:04.293" v="147" actId="3680"/>
-          <ac:spMkLst>
-            <pc:docMk/>
-            <pc:sldMk cId="1989374203" sldId="271"/>
-            <ac:spMk id="3" creationId="{4C8A167A-BD43-1AAE-7F80-29F9CCB9E35B}"/>
-          </ac:spMkLst>
-        </pc:spChg>
-        <pc:graphicFrameChg chg="add mod ord modGraphic">
-          <ac:chgData name="Krishna Kant Dubey" userId="cd28fa1e1902c48d" providerId="LiveId" clId="{9D7DB283-8459-4206-96E2-B01EAFFF9444}" dt="2025-08-08T10:33:27.901" v="198" actId="12385"/>
-          <ac:graphicFrameMkLst>
-            <pc:docMk/>
-            <pc:sldMk cId="1989374203" sldId="271"/>
-            <ac:graphicFrameMk id="4" creationId="{C50911F4-758F-7C61-5FD2-CB7FB8014D84}"/>
-          </ac:graphicFrameMkLst>
-        </pc:graphicFrameChg>
       </pc:sldChg>
       <pc:sldChg chg="addSp delSp modSp add mod">
         <pc:chgData name="Krishna Kant Dubey" userId="cd28fa1e1902c48d" providerId="LiveId" clId="{9D7DB283-8459-4206-96E2-B01EAFFF9444}" dt="2025-08-08T10:35:21.772" v="219" actId="207"/>
@@ -1255,30 +997,6 @@
           <pc:docMk/>
           <pc:sldMk cId="3540460090" sldId="272"/>
         </pc:sldMkLst>
-        <pc:spChg chg="mod">
-          <ac:chgData name="Krishna Kant Dubey" userId="cd28fa1e1902c48d" providerId="LiveId" clId="{9D7DB283-8459-4206-96E2-B01EAFFF9444}" dt="2025-08-08T10:32:06.712" v="188" actId="207"/>
-          <ac:spMkLst>
-            <pc:docMk/>
-            <pc:sldMk cId="3540460090" sldId="272"/>
-            <ac:spMk id="2" creationId="{68040658-8A22-AFFE-1CC5-8CC9A20980DF}"/>
-          </ac:spMkLst>
-        </pc:spChg>
-        <pc:spChg chg="add mod">
-          <ac:chgData name="Krishna Kant Dubey" userId="cd28fa1e1902c48d" providerId="LiveId" clId="{9D7DB283-8459-4206-96E2-B01EAFFF9444}" dt="2025-08-08T10:35:21.772" v="219" actId="207"/>
-          <ac:spMkLst>
-            <pc:docMk/>
-            <pc:sldMk cId="3540460090" sldId="272"/>
-            <ac:spMk id="5" creationId="{A31FC320-82CC-A142-26C7-F167A7E9098A}"/>
-          </ac:spMkLst>
-        </pc:spChg>
-        <pc:graphicFrameChg chg="del modGraphic">
-          <ac:chgData name="Krishna Kant Dubey" userId="cd28fa1e1902c48d" providerId="LiveId" clId="{9D7DB283-8459-4206-96E2-B01EAFFF9444}" dt="2025-08-08T10:34:01.377" v="200" actId="478"/>
-          <ac:graphicFrameMkLst>
-            <pc:docMk/>
-            <pc:sldMk cId="3540460090" sldId="272"/>
-            <ac:graphicFrameMk id="4" creationId="{031AB529-8985-4BF7-2118-9D5309565462}"/>
-          </ac:graphicFrameMkLst>
-        </pc:graphicFrameChg>
       </pc:sldChg>
     </pc:docChg>
   </pc:docChgLst>
@@ -1731,7 +1449,7 @@
           <a:p>
             <a:fld id="{771BC1E5-8BD3-45A8-A8D4-BE6B8D3F526F}" type="datetimeFigureOut">
               <a:rPr lang="en-IN" smtClean="0"/>
-              <a:t>08-08-2025</a:t>
+              <a:t>11-08-2025</a:t>
             </a:fld>
             <a:endParaRPr lang="en-IN"/>
           </a:p>
@@ -2148,7 +1866,7 @@
           <a:p>
             <a:fld id="{8B8265E5-5E35-4F50-869B-ACC7CF337DF9}" type="datetimeFigureOut">
               <a:rPr lang="en-IN" smtClean="0"/>
-              <a:t>08-08-2025</a:t>
+              <a:t>11-08-2025</a:t>
             </a:fld>
             <a:endParaRPr lang="en-IN"/>
           </a:p>
@@ -2348,7 +2066,7 @@
           <a:p>
             <a:fld id="{8B8265E5-5E35-4F50-869B-ACC7CF337DF9}" type="datetimeFigureOut">
               <a:rPr lang="en-IN" smtClean="0"/>
-              <a:t>08-08-2025</a:t>
+              <a:t>11-08-2025</a:t>
             </a:fld>
             <a:endParaRPr lang="en-IN"/>
           </a:p>
@@ -2558,7 +2276,7 @@
           <a:p>
             <a:fld id="{8B8265E5-5E35-4F50-869B-ACC7CF337DF9}" type="datetimeFigureOut">
               <a:rPr lang="en-IN" smtClean="0"/>
-              <a:t>08-08-2025</a:t>
+              <a:t>11-08-2025</a:t>
             </a:fld>
             <a:endParaRPr lang="en-IN"/>
           </a:p>
@@ -2758,7 +2476,7 @@
           <a:p>
             <a:fld id="{8B8265E5-5E35-4F50-869B-ACC7CF337DF9}" type="datetimeFigureOut">
               <a:rPr lang="en-IN" smtClean="0"/>
-              <a:t>08-08-2025</a:t>
+              <a:t>11-08-2025</a:t>
             </a:fld>
             <a:endParaRPr lang="en-IN"/>
           </a:p>
@@ -3034,7 +2752,7 @@
           <a:p>
             <a:fld id="{8B8265E5-5E35-4F50-869B-ACC7CF337DF9}" type="datetimeFigureOut">
               <a:rPr lang="en-IN" smtClean="0"/>
-              <a:t>08-08-2025</a:t>
+              <a:t>11-08-2025</a:t>
             </a:fld>
             <a:endParaRPr lang="en-IN"/>
           </a:p>
@@ -3302,7 +3020,7 @@
           <a:p>
             <a:fld id="{8B8265E5-5E35-4F50-869B-ACC7CF337DF9}" type="datetimeFigureOut">
               <a:rPr lang="en-IN" smtClean="0"/>
-              <a:t>08-08-2025</a:t>
+              <a:t>11-08-2025</a:t>
             </a:fld>
             <a:endParaRPr lang="en-IN"/>
           </a:p>
@@ -3717,7 +3435,7 @@
           <a:p>
             <a:fld id="{8B8265E5-5E35-4F50-869B-ACC7CF337DF9}" type="datetimeFigureOut">
               <a:rPr lang="en-IN" smtClean="0"/>
-              <a:t>08-08-2025</a:t>
+              <a:t>11-08-2025</a:t>
             </a:fld>
             <a:endParaRPr lang="en-IN"/>
           </a:p>
@@ -3859,7 +3577,7 @@
           <a:p>
             <a:fld id="{8B8265E5-5E35-4F50-869B-ACC7CF337DF9}" type="datetimeFigureOut">
               <a:rPr lang="en-IN" smtClean="0"/>
-              <a:t>08-08-2025</a:t>
+              <a:t>11-08-2025</a:t>
             </a:fld>
             <a:endParaRPr lang="en-IN"/>
           </a:p>
@@ -3972,7 +3690,7 @@
           <a:p>
             <a:fld id="{8B8265E5-5E35-4F50-869B-ACC7CF337DF9}" type="datetimeFigureOut">
               <a:rPr lang="en-IN" smtClean="0"/>
-              <a:t>08-08-2025</a:t>
+              <a:t>11-08-2025</a:t>
             </a:fld>
             <a:endParaRPr lang="en-IN"/>
           </a:p>
@@ -4285,7 +4003,7 @@
           <a:p>
             <a:fld id="{8B8265E5-5E35-4F50-869B-ACC7CF337DF9}" type="datetimeFigureOut">
               <a:rPr lang="en-IN" smtClean="0"/>
-              <a:t>08-08-2025</a:t>
+              <a:t>11-08-2025</a:t>
             </a:fld>
             <a:endParaRPr lang="en-IN"/>
           </a:p>
@@ -4574,7 +4292,7 @@
           <a:p>
             <a:fld id="{8B8265E5-5E35-4F50-869B-ACC7CF337DF9}" type="datetimeFigureOut">
               <a:rPr lang="en-IN" smtClean="0"/>
-              <a:t>08-08-2025</a:t>
+              <a:t>11-08-2025</a:t>
             </a:fld>
             <a:endParaRPr lang="en-IN"/>
           </a:p>
@@ -4817,7 +4535,7 @@
           <a:p>
             <a:fld id="{8B8265E5-5E35-4F50-869B-ACC7CF337DF9}" type="datetimeFigureOut">
               <a:rPr lang="en-IN" smtClean="0"/>
-              <a:t>08-08-2025</a:t>
+              <a:t>11-08-2025</a:t>
             </a:fld>
             <a:endParaRPr lang="en-IN"/>
           </a:p>
@@ -5366,124 +5084,45 @@
           </a:p>
         </p:txBody>
       </p:sp>
-    </p:spTree>
-    <p:extLst>
-      <p:ext uri="{BB962C8B-B14F-4D97-AF65-F5344CB8AC3E}">
-        <p14:creationId xmlns:p14="http://schemas.microsoft.com/office/powerpoint/2010/main" val="2381247086"/>
-      </p:ext>
-    </p:extLst>
-  </p:cSld>
-  <p:clrMapOvr>
-    <a:masterClrMapping/>
-  </p:clrMapOvr>
-</p:sld>
-</file>
-
-<file path=ppt/slides/slide10.xml><?xml version="1.0" encoding="utf-8"?>
-<p:sld xmlns:a="http://schemas.openxmlformats.org/drawingml/2006/main" xmlns:r="http://schemas.openxmlformats.org/officeDocument/2006/relationships" xmlns:p="http://schemas.openxmlformats.org/presentationml/2006/main">
-  <p:cSld>
-    <p:spTree>
-      <p:nvGrpSpPr>
-        <p:cNvPr id="1" name="">
-          <a:extLst>
-            <a:ext uri="{FF2B5EF4-FFF2-40B4-BE49-F238E27FC236}">
-              <a16:creationId xmlns:a16="http://schemas.microsoft.com/office/drawing/2014/main" id="{08F020C8-C696-8712-6B14-34CA50EE353A}"/>
-            </a:ext>
-          </a:extLst>
-        </p:cNvPr>
-        <p:cNvGrpSpPr/>
-        <p:nvPr/>
-      </p:nvGrpSpPr>
-      <p:grpSpPr>
-        <a:xfrm>
-          <a:off x="0" y="0"/>
-          <a:ext cx="0" cy="0"/>
-          <a:chOff x="0" y="0"/>
-          <a:chExt cx="0" cy="0"/>
-        </a:xfrm>
-      </p:grpSpPr>
       <p:pic>
         <p:nvPicPr>
-          <p:cNvPr id="9" name="Picture 8">
-            <a:extLst>
-              <a:ext uri="{FF2B5EF4-FFF2-40B4-BE49-F238E27FC236}">
-                <a16:creationId xmlns:a16="http://schemas.microsoft.com/office/drawing/2014/main" id="{7CC4CBFF-7920-70C0-A06E-0C70678C0D18}"/>
+          <p:cNvPr id="3" name="Content Placeholder 4">
+            <a:extLst>
+              <a:ext uri="{FF2B5EF4-FFF2-40B4-BE49-F238E27FC236}">
+                <a16:creationId xmlns:a16="http://schemas.microsoft.com/office/drawing/2014/main" id="{49D86A38-3EE8-3EE8-6AF2-C0DB66DB3443}"/>
               </a:ext>
             </a:extLst>
           </p:cNvPr>
           <p:cNvPicPr>
-            <a:picLocks noChangeAspect="1"/>
+            <a:picLocks noGrp="1" noChangeAspect="1"/>
           </p:cNvPicPr>
           <p:nvPr/>
         </p:nvPicPr>
         <p:blipFill>
-          <a:blip r:embed="rId2">
+          <a:blip r:embed="rId4">
             <a:extLst>
               <a:ext uri="{28A0092B-C50C-407E-A947-70E740481C1C}">
                 <a14:useLocalDpi xmlns:a14="http://schemas.microsoft.com/office/drawing/2010/main" val="0"/>
               </a:ext>
             </a:extLst>
           </a:blip>
-          <a:stretch>
-            <a:fillRect/>
-          </a:stretch>
+          <a:srcRect/>
+          <a:stretch/>
         </p:blipFill>
         <p:spPr>
           <a:xfrm>
-            <a:off x="0" y="4707"/>
-            <a:ext cx="12192000" cy="6853293"/>
+            <a:off x="-3047" y="0"/>
+            <a:ext cx="12198095" cy="6858000"/>
           </a:xfrm>
           <a:prstGeom prst="rect">
             <a:avLst/>
           </a:prstGeom>
         </p:spPr>
       </p:pic>
-      <p:sp>
-        <p:nvSpPr>
-          <p:cNvPr id="12" name="Title 11">
-            <a:extLst>
-              <a:ext uri="{FF2B5EF4-FFF2-40B4-BE49-F238E27FC236}">
-                <a16:creationId xmlns:a16="http://schemas.microsoft.com/office/drawing/2014/main" id="{25BED996-97FE-4465-A247-9E0741B69D7B}"/>
-              </a:ext>
-            </a:extLst>
-          </p:cNvPr>
-          <p:cNvSpPr>
-            <a:spLocks noGrp="1"/>
-          </p:cNvSpPr>
-          <p:nvPr>
-            <p:ph type="title"/>
-          </p:nvPr>
-        </p:nvSpPr>
-        <p:spPr>
-          <a:xfrm>
-            <a:off x="838200" y="1058779"/>
-            <a:ext cx="10515600" cy="1411703"/>
-          </a:xfrm>
-        </p:spPr>
-        <p:txBody>
-          <a:bodyPr/>
-          <a:lstStyle/>
-          <a:p>
-            <a:r>
-              <a:rPr lang="en-US" b="1" dirty="0">
-                <a:solidFill>
-                  <a:srgbClr val="FF0000"/>
-                </a:solidFill>
-              </a:rPr>
-              <a:t>Thank You</a:t>
-            </a:r>
-            <a:endParaRPr lang="en-IN" b="1" dirty="0">
-              <a:solidFill>
-                <a:srgbClr val="FF0000"/>
-              </a:solidFill>
-            </a:endParaRPr>
-          </a:p>
-        </p:txBody>
-      </p:sp>
     </p:spTree>
     <p:extLst>
       <p:ext uri="{BB962C8B-B14F-4D97-AF65-F5344CB8AC3E}">
-        <p14:creationId xmlns:p14="http://schemas.microsoft.com/office/powerpoint/2010/main" val="1263864946"/>
+        <p14:creationId xmlns:p14="http://schemas.microsoft.com/office/powerpoint/2010/main" val="2381247086"/>
       </p:ext>
     </p:extLst>
   </p:cSld>
@@ -5734,7 +5373,7 @@
               <a:buNone/>
             </a:pPr>
             <a:r>
-              <a:rPr lang="en-US"/>
+              <a:rPr lang="en-US" dirty="0"/>
               <a:t>Describe the limitations of SQL and NoSQL databases, understanding the constraints and challenges associated with each database type in the</a:t>
             </a:r>
             <a:endParaRPr lang="en-IN" b="1" dirty="0">
@@ -5851,7 +5490,7 @@
                   <a:srgbClr val="C00000"/>
                 </a:solidFill>
               </a:rPr>
-              <a:t>Method to Select the Right Database</a:t>
+              <a:t>limitations of SQL and NoSQL databases </a:t>
             </a:r>
             <a:br>
               <a:rPr lang="en-US" b="1" dirty="0">
@@ -5886,8 +5525,8 @@
         </p:nvSpPr>
         <p:spPr>
           <a:xfrm>
-            <a:off x="838200" y="1738860"/>
-            <a:ext cx="10515600" cy="4392118"/>
+            <a:off x="838200" y="1963710"/>
+            <a:ext cx="10515600" cy="4167267"/>
           </a:xfrm>
         </p:spPr>
         <p:txBody>
@@ -5900,7 +5539,7 @@
                   <a:srgbClr val="002060"/>
                 </a:solidFill>
               </a:rPr>
-              <a:t>The Use Case and Analysis Requirements</a:t>
+              <a:t>Limitations of SQL Databases (Relational)</a:t>
             </a:r>
           </a:p>
           <a:p>
@@ -5910,37 +5549,7 @@
                   <a:srgbClr val="002060"/>
                 </a:solidFill>
               </a:rPr>
-              <a:t>Data Characteristics to Database Types</a:t>
-            </a:r>
-          </a:p>
-          <a:p>
-            <a:r>
-              <a:rPr lang="en-US" b="1" dirty="0">
-                <a:solidFill>
-                  <a:srgbClr val="002060"/>
-                </a:solidFill>
-              </a:rPr>
-              <a:t>Optimize for AI-Driven Performance</a:t>
-            </a:r>
-          </a:p>
-          <a:p>
-            <a:r>
-              <a:rPr lang="en-US" b="1" dirty="0">
-                <a:solidFill>
-                  <a:srgbClr val="002060"/>
-                </a:solidFill>
-              </a:rPr>
-              <a:t>Evaluate Performance Trade-offs</a:t>
-            </a:r>
-          </a:p>
-          <a:p>
-            <a:r>
-              <a:rPr lang="en-US" b="1" dirty="0">
-                <a:solidFill>
-                  <a:srgbClr val="002060"/>
-                </a:solidFill>
-              </a:rPr>
-              <a:t>Use AI Tools to Assist in Selection</a:t>
+              <a:t>Limitations of NoSQL Databases (Non-Relational)</a:t>
             </a:r>
           </a:p>
           <a:p>
@@ -6117,8 +5726,15 @@
                   <a:srgbClr val="C00000"/>
                 </a:solidFill>
               </a:rPr>
-              <a:t>The Use Case and Analysis Requirements</a:t>
-            </a:r>
+              <a:t>Limitations of SQL Databases (Relational)</a:t>
+            </a:r>
+            <a:br>
+              <a:rPr lang="en-US" b="1" dirty="0">
+                <a:solidFill>
+                  <a:srgbClr val="C00000"/>
+                </a:solidFill>
+              </a:rPr>
+            </a:br>
             <a:br>
               <a:rPr lang="en-US" b="1" dirty="0">
                 <a:solidFill>
@@ -6189,260 +5805,137 @@
           </a:p>
         </p:txBody>
       </p:sp>
-      <p:graphicFrame>
-        <p:nvGraphicFramePr>
-          <p:cNvPr id="2" name="Content Placeholder 1">
-            <a:extLst>
-              <a:ext uri="{FF2B5EF4-FFF2-40B4-BE49-F238E27FC236}">
-                <a16:creationId xmlns:a16="http://schemas.microsoft.com/office/drawing/2014/main" id="{5F893996-262C-FFAE-1E2B-A4B0D201D2AC}"/>
-              </a:ext>
-            </a:extLst>
-          </p:cNvPr>
-          <p:cNvGraphicFramePr>
-            <a:graphicFrameLocks noGrp="1"/>
-          </p:cNvGraphicFramePr>
+      <p:sp>
+        <p:nvSpPr>
+          <p:cNvPr id="4" name="Content Placeholder 3">
+            <a:extLst>
+              <a:ext uri="{FF2B5EF4-FFF2-40B4-BE49-F238E27FC236}">
+                <a16:creationId xmlns:a16="http://schemas.microsoft.com/office/drawing/2014/main" id="{D8249DBE-F3AF-FBFC-485A-94CE0B91ABC8}"/>
+              </a:ext>
+            </a:extLst>
+          </p:cNvPr>
+          <p:cNvSpPr>
+            <a:spLocks noGrp="1"/>
+          </p:cNvSpPr>
           <p:nvPr>
             <p:ph idx="1"/>
-            <p:extLst>
-              <p:ext uri="{D42A27DB-BD31-4B8C-83A1-F6EECF244321}">
-                <p14:modId xmlns:p14="http://schemas.microsoft.com/office/powerpoint/2010/main" val="3377169209"/>
-              </p:ext>
-            </p:extLst>
-          </p:nvPr>
-        </p:nvGraphicFramePr>
-        <p:xfrm>
-          <a:off x="838200" y="1825624"/>
-          <a:ext cx="10329472" cy="3600816"/>
-        </p:xfrm>
-        <a:graphic>
-          <a:graphicData uri="http://schemas.openxmlformats.org/drawingml/2006/table">
-            <a:tbl>
-              <a:tblPr firstRow="1" bandRow="1">
-                <a:tableStyleId>{793D81CF-94F2-401A-BA57-92F5A7B2D0C5}</a:tableStyleId>
-              </a:tblPr>
-              <a:tblGrid>
-                <a:gridCol w="3049268">
-                  <a:extLst>
-                    <a:ext uri="{9D8B030D-6E8A-4147-A177-3AD203B41FA5}">
-                      <a16:colId xmlns:a16="http://schemas.microsoft.com/office/drawing/2014/main" val="663723130"/>
-                    </a:ext>
-                  </a:extLst>
-                </a:gridCol>
-                <a:gridCol w="7280204">
-                  <a:extLst>
-                    <a:ext uri="{9D8B030D-6E8A-4147-A177-3AD203B41FA5}">
-                      <a16:colId xmlns:a16="http://schemas.microsoft.com/office/drawing/2014/main" val="1799318692"/>
-                    </a:ext>
-                  </a:extLst>
-                </a:gridCol>
-              </a:tblGrid>
-              <a:tr h="600136">
-                <a:tc>
-                  <a:txBody>
-                    <a:bodyPr/>
-                    <a:lstStyle/>
-                    <a:p>
-                      <a:r>
-                        <a:rPr lang="en-IN" sz="2000" dirty="0"/>
-                        <a:t>Requirement Type</a:t>
-                      </a:r>
-                    </a:p>
-                  </a:txBody>
-                  <a:tcPr/>
-                </a:tc>
-                <a:tc>
-                  <a:txBody>
-                    <a:bodyPr/>
-                    <a:lstStyle/>
-                    <a:p>
-                      <a:r>
-                        <a:rPr lang="en-IN" sz="2000" dirty="0"/>
-                        <a:t>Key Questions to Ask</a:t>
-                      </a:r>
-                    </a:p>
-                  </a:txBody>
-                  <a:tcPr/>
-                </a:tc>
-                <a:extLst>
-                  <a:ext uri="{0D108BD9-81ED-4DB2-BD59-A6C34878D82A}">
-                    <a16:rowId xmlns:a16="http://schemas.microsoft.com/office/drawing/2014/main" val="1071394563"/>
-                  </a:ext>
-                </a:extLst>
-              </a:tr>
-              <a:tr h="600136">
-                <a:tc>
-                  <a:txBody>
-                    <a:bodyPr/>
-                    <a:lstStyle/>
-                    <a:p>
-                      <a:r>
-                        <a:rPr lang="en-IN" sz="2000" b="1" dirty="0"/>
-                        <a:t>Data Structure</a:t>
-                      </a:r>
-                    </a:p>
-                  </a:txBody>
-                  <a:tcPr/>
-                </a:tc>
-                <a:tc>
-                  <a:txBody>
-                    <a:bodyPr/>
-                    <a:lstStyle/>
-                    <a:p>
-                      <a:r>
-                        <a:rPr lang="en-US" sz="2000" dirty="0"/>
-                        <a:t>Is the data structured, semi-structured, or unstructured?</a:t>
-                      </a:r>
-                      <a:endParaRPr lang="en-IN" sz="2000" dirty="0"/>
-                    </a:p>
-                  </a:txBody>
-                  <a:tcPr/>
-                </a:tc>
-                <a:extLst>
-                  <a:ext uri="{0D108BD9-81ED-4DB2-BD59-A6C34878D82A}">
-                    <a16:rowId xmlns:a16="http://schemas.microsoft.com/office/drawing/2014/main" val="1979708197"/>
-                  </a:ext>
-                </a:extLst>
-              </a:tr>
-              <a:tr h="600136">
-                <a:tc>
-                  <a:txBody>
-                    <a:bodyPr/>
-                    <a:lstStyle/>
-                    <a:p>
-                      <a:r>
-                        <a:rPr lang="en-IN" sz="2000" b="1" dirty="0"/>
-                        <a:t>Query Complexity</a:t>
-                      </a:r>
-                    </a:p>
-                  </a:txBody>
-                  <a:tcPr/>
-                </a:tc>
-                <a:tc>
-                  <a:txBody>
-                    <a:bodyPr/>
-                    <a:lstStyle/>
-                    <a:p>
-                      <a:r>
-                        <a:rPr lang="en-US" sz="2000" dirty="0"/>
-                        <a:t>Do you need complex joins, aggregations, or graph traversals?</a:t>
-                      </a:r>
-                      <a:endParaRPr lang="en-IN" sz="2000" dirty="0"/>
-                    </a:p>
-                  </a:txBody>
-                  <a:tcPr/>
-                </a:tc>
-                <a:extLst>
-                  <a:ext uri="{0D108BD9-81ED-4DB2-BD59-A6C34878D82A}">
-                    <a16:rowId xmlns:a16="http://schemas.microsoft.com/office/drawing/2014/main" val="4015127180"/>
-                  </a:ext>
-                </a:extLst>
-              </a:tr>
-              <a:tr h="600136">
-                <a:tc>
-                  <a:txBody>
-                    <a:bodyPr/>
-                    <a:lstStyle/>
-                    <a:p>
-                      <a:r>
-                        <a:rPr lang="en-IN" sz="2000" b="1" dirty="0"/>
-                        <a:t>Volume &amp; Velocity</a:t>
-                      </a:r>
-                    </a:p>
-                  </a:txBody>
-                  <a:tcPr/>
-                </a:tc>
-                <a:tc>
-                  <a:txBody>
-                    <a:bodyPr/>
-                    <a:lstStyle/>
-                    <a:p>
-                      <a:r>
-                        <a:rPr lang="en-US" sz="2000" dirty="0"/>
-                        <a:t>Is the data high-volume, real-time, or batch-oriented?</a:t>
-                      </a:r>
-                      <a:endParaRPr lang="en-IN" sz="2000" dirty="0"/>
-                    </a:p>
-                  </a:txBody>
-                  <a:tcPr/>
-                </a:tc>
-                <a:extLst>
-                  <a:ext uri="{0D108BD9-81ED-4DB2-BD59-A6C34878D82A}">
-                    <a16:rowId xmlns:a16="http://schemas.microsoft.com/office/drawing/2014/main" val="3642259822"/>
-                  </a:ext>
-                </a:extLst>
-              </a:tr>
-              <a:tr h="600136">
-                <a:tc>
-                  <a:txBody>
-                    <a:bodyPr/>
-                    <a:lstStyle/>
-                    <a:p>
-                      <a:r>
-                        <a:rPr lang="en-IN" sz="2000" b="1" dirty="0"/>
-                        <a:t>Access Patterns</a:t>
-                      </a:r>
-                    </a:p>
-                  </a:txBody>
-                  <a:tcPr/>
-                </a:tc>
-                <a:tc>
-                  <a:txBody>
-                    <a:bodyPr/>
-                    <a:lstStyle/>
-                    <a:p>
-                      <a:r>
-                        <a:rPr lang="en-US" sz="2000" dirty="0"/>
-                        <a:t>Are reads or writes more frequent? Is latency critical?</a:t>
-                      </a:r>
-                      <a:endParaRPr lang="en-IN" sz="2000" dirty="0"/>
-                    </a:p>
-                  </a:txBody>
-                  <a:tcPr/>
-                </a:tc>
-                <a:extLst>
-                  <a:ext uri="{0D108BD9-81ED-4DB2-BD59-A6C34878D82A}">
-                    <a16:rowId xmlns:a16="http://schemas.microsoft.com/office/drawing/2014/main" val="3318314172"/>
-                  </a:ext>
-                </a:extLst>
-              </a:tr>
-              <a:tr h="600136">
-                <a:tc>
-                  <a:txBody>
-                    <a:bodyPr/>
-                    <a:lstStyle/>
-                    <a:p>
-                      <a:r>
-                        <a:rPr lang="en-IN" sz="2000" b="1" dirty="0"/>
-                        <a:t>AI/ML Integration</a:t>
-                      </a:r>
-                    </a:p>
-                  </a:txBody>
-                  <a:tcPr/>
-                </a:tc>
-                <a:tc>
-                  <a:txBody>
-                    <a:bodyPr/>
-                    <a:lstStyle/>
-                    <a:p>
-                      <a:r>
-                        <a:rPr lang="en-US" sz="2000" dirty="0"/>
-                        <a:t>Will the database feed models or support real-time inference?</a:t>
-                      </a:r>
-                      <a:endParaRPr lang="en-IN" sz="2000" dirty="0"/>
-                    </a:p>
-                  </a:txBody>
-                  <a:tcPr/>
-                </a:tc>
-                <a:extLst>
-                  <a:ext uri="{0D108BD9-81ED-4DB2-BD59-A6C34878D82A}">
-                    <a16:rowId xmlns:a16="http://schemas.microsoft.com/office/drawing/2014/main" val="1785837939"/>
-                  </a:ext>
-                </a:extLst>
-              </a:tr>
-            </a:tbl>
-          </a:graphicData>
-        </a:graphic>
-      </p:graphicFrame>
+          </p:nvPr>
+        </p:nvSpPr>
+        <p:spPr/>
+        <p:txBody>
+          <a:bodyPr>
+            <a:normAutofit/>
+          </a:bodyPr>
+          <a:lstStyle/>
+          <a:p>
+            <a:pPr marL="0" indent="0">
+              <a:buNone/>
+            </a:pPr>
+            <a:r>
+              <a:rPr lang="en-US" b="1" dirty="0">
+                <a:solidFill>
+                  <a:srgbClr val="FF0000"/>
+                </a:solidFill>
+              </a:rPr>
+              <a:t>Structural Rigidity</a:t>
+            </a:r>
+          </a:p>
+          <a:p>
+            <a:pPr lvl="1"/>
+            <a:r>
+              <a:rPr lang="en-US" b="1" dirty="0">
+                <a:solidFill>
+                  <a:srgbClr val="00B050"/>
+                </a:solidFill>
+              </a:rPr>
+              <a:t>Fixed Schema: </a:t>
+            </a:r>
+            <a:r>
+              <a:rPr lang="en-US" b="1" dirty="0">
+                <a:solidFill>
+                  <a:srgbClr val="002060"/>
+                </a:solidFill>
+              </a:rPr>
+              <a:t>Changes to the schema (e.g., adding columns) can be complex and disruptive.</a:t>
+            </a:r>
+          </a:p>
+          <a:p>
+            <a:pPr lvl="1"/>
+            <a:r>
+              <a:rPr lang="en-US" b="1" dirty="0">
+                <a:solidFill>
+                  <a:srgbClr val="00B050"/>
+                </a:solidFill>
+              </a:rPr>
+              <a:t>Less Flexible for Unstructured Data: </a:t>
+            </a:r>
+            <a:r>
+              <a:rPr lang="en-US" b="1" dirty="0">
+                <a:solidFill>
+                  <a:srgbClr val="002060"/>
+                </a:solidFill>
+              </a:rPr>
+              <a:t>Not ideal for storing documents, images, or nested data.</a:t>
+            </a:r>
+          </a:p>
+          <a:p>
+            <a:pPr marL="0" indent="0">
+              <a:buNone/>
+            </a:pPr>
+            <a:r>
+              <a:rPr lang="en-US" b="1" dirty="0">
+                <a:solidFill>
+                  <a:srgbClr val="FF0000"/>
+                </a:solidFill>
+              </a:rPr>
+              <a:t>Scalability Challenges</a:t>
+            </a:r>
+          </a:p>
+          <a:p>
+            <a:pPr lvl="1"/>
+            <a:r>
+              <a:rPr lang="en-US" b="1" dirty="0">
+                <a:solidFill>
+                  <a:srgbClr val="00B050"/>
+                </a:solidFill>
+              </a:rPr>
+              <a:t>Vertical Scaling: </a:t>
+            </a:r>
+            <a:r>
+              <a:rPr lang="en-US" b="1" dirty="0">
+                <a:solidFill>
+                  <a:srgbClr val="002060"/>
+                </a:solidFill>
+              </a:rPr>
+              <a:t>Typically scale by upgrading hardware, which can be costly.</a:t>
+            </a:r>
+          </a:p>
+          <a:p>
+            <a:pPr lvl="1"/>
+            <a:r>
+              <a:rPr lang="en-US" b="1" dirty="0">
+                <a:solidFill>
+                  <a:srgbClr val="00B050"/>
+                </a:solidFill>
+              </a:rPr>
+              <a:t>Limited Horizontal Scaling: </a:t>
+            </a:r>
+            <a:r>
+              <a:rPr lang="en-US" b="1" dirty="0">
+                <a:solidFill>
+                  <a:srgbClr val="002060"/>
+                </a:solidFill>
+              </a:rPr>
+              <a:t>Sharding and replication are possible but complex to implement.</a:t>
+            </a:r>
+            <a:endParaRPr lang="en-IN" b="1" dirty="0">
+              <a:solidFill>
+                <a:srgbClr val="002060"/>
+              </a:solidFill>
+            </a:endParaRPr>
+          </a:p>
+        </p:txBody>
+      </p:sp>
     </p:spTree>
     <p:extLst>
       <p:ext uri="{BB962C8B-B14F-4D97-AF65-F5344CB8AC3E}">
@@ -6531,12 +6024,7 @@
             <p:ph type="title"/>
           </p:nvPr>
         </p:nvSpPr>
-        <p:spPr>
-          <a:xfrm>
-            <a:off x="719528" y="953850"/>
-            <a:ext cx="10634272" cy="560158"/>
-          </a:xfrm>
-        </p:spPr>
+        <p:spPr/>
         <p:txBody>
           <a:bodyPr>
             <a:normAutofit fontScale="90000"/>
@@ -6592,14 +6080,49 @@
                 </a:solidFill>
               </a:rPr>
             </a:br>
-            <a:r>
+            <a:br>
               <a:rPr lang="en-US" b="1" dirty="0">
                 <a:solidFill>
+                  <a:srgbClr val="002060"/>
+                </a:solidFill>
+              </a:rPr>
+            </a:br>
+            <a:br>
+              <a:rPr lang="en-US" b="1" dirty="0">
+                <a:solidFill>
+                  <a:srgbClr val="002060"/>
+                </a:solidFill>
+              </a:rPr>
+            </a:br>
+            <a:br>
+              <a:rPr lang="en-US" b="1" dirty="0">
+                <a:solidFill>
+                  <a:srgbClr val="002060"/>
+                </a:solidFill>
+              </a:rPr>
+            </a:br>
+            <a:r>
+              <a:rPr lang="en-US" b="1" dirty="0">
+                <a:solidFill>
                   <a:srgbClr val="C00000"/>
                 </a:solidFill>
               </a:rPr>
-              <a:t>Data Characteristics to Database Types</a:t>
-            </a:r>
+              <a:t>Limitations of SQL Databases (Relational)</a:t>
+            </a:r>
+            <a:br>
+              <a:rPr lang="en-US" b="1" dirty="0">
+                <a:solidFill>
+                  <a:srgbClr val="C00000"/>
+                </a:solidFill>
+              </a:rPr>
+            </a:br>
+            <a:br>
+              <a:rPr lang="en-US" b="1" dirty="0">
+                <a:solidFill>
+                  <a:srgbClr val="002060"/>
+                </a:solidFill>
+              </a:rPr>
+            </a:br>
             <a:br>
               <a:rPr lang="en-US" b="1" dirty="0">
                 <a:solidFill>
@@ -6657,591 +6180,145 @@
           </a:p>
         </p:txBody>
       </p:sp>
-      <p:graphicFrame>
-        <p:nvGraphicFramePr>
-          <p:cNvPr id="2" name="Table 1">
-            <a:extLst>
-              <a:ext uri="{FF2B5EF4-FFF2-40B4-BE49-F238E27FC236}">
-                <a16:creationId xmlns:a16="http://schemas.microsoft.com/office/drawing/2014/main" id="{E6304D91-EAA3-83D2-F49A-F69147DC9D94}"/>
-              </a:ext>
-            </a:extLst>
-          </p:cNvPr>
-          <p:cNvGraphicFramePr>
-            <a:graphicFrameLocks noGrp="1"/>
-          </p:cNvGraphicFramePr>
-          <p:nvPr>
-            <p:extLst>
-              <p:ext uri="{D42A27DB-BD31-4B8C-83A1-F6EECF244321}">
-                <p14:modId xmlns:p14="http://schemas.microsoft.com/office/powerpoint/2010/main" val="966177154"/>
-              </p:ext>
-            </p:extLst>
-          </p:nvPr>
-        </p:nvGraphicFramePr>
-        <p:xfrm>
-          <a:off x="719528" y="1589092"/>
-          <a:ext cx="10830393" cy="4404998"/>
-        </p:xfrm>
-        <a:graphic>
-          <a:graphicData uri="http://schemas.openxmlformats.org/drawingml/2006/table">
-            <a:tbl>
-              <a:tblPr firstRow="1" bandRow="1">
-                <a:tableStyleId>{793D81CF-94F2-401A-BA57-92F5A7B2D0C5}</a:tableStyleId>
-              </a:tblPr>
-              <a:tblGrid>
-                <a:gridCol w="2995001">
-                  <a:extLst>
-                    <a:ext uri="{9D8B030D-6E8A-4147-A177-3AD203B41FA5}">
-                      <a16:colId xmlns:a16="http://schemas.microsoft.com/office/drawing/2014/main" val="3096187754"/>
-                    </a:ext>
-                  </a:extLst>
-                </a:gridCol>
-                <a:gridCol w="7835392">
-                  <a:extLst>
-                    <a:ext uri="{9D8B030D-6E8A-4147-A177-3AD203B41FA5}">
-                      <a16:colId xmlns:a16="http://schemas.microsoft.com/office/drawing/2014/main" val="536259913"/>
-                    </a:ext>
-                  </a:extLst>
-                </a:gridCol>
-              </a:tblGrid>
-              <a:tr h="406134">
-                <a:tc>
-                  <a:txBody>
-                    <a:bodyPr/>
-                    <a:lstStyle/>
-                    <a:p>
-                      <a:pPr marL="0" marR="0" lvl="0" indent="0" algn="l" defTabSz="914400" rtl="0" eaLnBrk="1" fontAlgn="auto" latinLnBrk="0" hangingPunct="1">
-                        <a:lnSpc>
-                          <a:spcPct val="100000"/>
-                        </a:lnSpc>
-                        <a:spcBef>
-                          <a:spcPts val="0"/>
-                        </a:spcBef>
-                        <a:spcAft>
-                          <a:spcPts val="0"/>
-                        </a:spcAft>
-                        <a:buClrTx/>
-                        <a:buSzTx/>
-                        <a:buFontTx/>
-                        <a:buNone/>
-                        <a:tabLst/>
-                        <a:defRPr/>
-                      </a:pPr>
-                      <a:r>
-                        <a:rPr lang="en-IN" sz="2000" dirty="0"/>
-                        <a:t>Data Type</a:t>
-                      </a:r>
-                    </a:p>
-                  </a:txBody>
-                  <a:tcPr/>
-                </a:tc>
-                <a:tc>
-                  <a:txBody>
-                    <a:bodyPr/>
-                    <a:lstStyle/>
-                    <a:p>
-                      <a:pPr marL="0" marR="0" lvl="0" indent="0" algn="l" defTabSz="914400" rtl="0" eaLnBrk="1" fontAlgn="auto" latinLnBrk="0" hangingPunct="1">
-                        <a:lnSpc>
-                          <a:spcPct val="100000"/>
-                        </a:lnSpc>
-                        <a:spcBef>
-                          <a:spcPts val="0"/>
-                        </a:spcBef>
-                        <a:spcAft>
-                          <a:spcPts val="0"/>
-                        </a:spcAft>
-                        <a:buClrTx/>
-                        <a:buSzTx/>
-                        <a:buFontTx/>
-                        <a:buNone/>
-                        <a:tabLst/>
-                        <a:defRPr/>
-                      </a:pPr>
-                      <a:r>
-                        <a:rPr lang="en-IN" sz="2000" dirty="0"/>
-                        <a:t>Recommended DB Type</a:t>
-                      </a:r>
-                    </a:p>
-                  </a:txBody>
-                  <a:tcPr/>
-                </a:tc>
-                <a:extLst>
-                  <a:ext uri="{0D108BD9-81ED-4DB2-BD59-A6C34878D82A}">
-                    <a16:rowId xmlns:a16="http://schemas.microsoft.com/office/drawing/2014/main" val="3765152624"/>
-                  </a:ext>
-                </a:extLst>
-              </a:tr>
-              <a:tr h="406134">
-                <a:tc>
-                  <a:txBody>
-                    <a:bodyPr/>
-                    <a:lstStyle/>
-                    <a:p>
-                      <a:pPr marL="0" marR="0" lvl="0" indent="0" algn="l" defTabSz="914400" rtl="0" eaLnBrk="1" fontAlgn="auto" latinLnBrk="0" hangingPunct="1">
-                        <a:lnSpc>
-                          <a:spcPct val="100000"/>
-                        </a:lnSpc>
-                        <a:spcBef>
-                          <a:spcPts val="0"/>
-                        </a:spcBef>
-                        <a:spcAft>
-                          <a:spcPts val="0"/>
-                        </a:spcAft>
-                        <a:buClrTx/>
-                        <a:buSzTx/>
-                        <a:buFontTx/>
-                        <a:buNone/>
-                        <a:tabLst/>
-                        <a:defRPr/>
-                      </a:pPr>
-                      <a:r>
-                        <a:rPr lang="en-IN" sz="2000" b="1" dirty="0"/>
-                        <a:t>Structured (tabular)</a:t>
-                      </a:r>
-                      <a:endParaRPr lang="en-IN" sz="2000" dirty="0"/>
-                    </a:p>
-                  </a:txBody>
-                  <a:tcPr anchor="ctr"/>
-                </a:tc>
-                <a:tc>
-                  <a:txBody>
-                    <a:bodyPr/>
-                    <a:lstStyle/>
-                    <a:p>
-                      <a:pPr marL="0" marR="0" lvl="0" indent="0" algn="l" defTabSz="914400" rtl="0" eaLnBrk="1" fontAlgn="auto" latinLnBrk="0" hangingPunct="1">
-                        <a:lnSpc>
-                          <a:spcPct val="100000"/>
-                        </a:lnSpc>
-                        <a:spcBef>
-                          <a:spcPts val="0"/>
-                        </a:spcBef>
-                        <a:spcAft>
-                          <a:spcPts val="0"/>
-                        </a:spcAft>
-                        <a:buClrTx/>
-                        <a:buSzTx/>
-                        <a:buFontTx/>
-                        <a:buNone/>
-                        <a:tabLst/>
-                        <a:defRPr/>
-                      </a:pPr>
-                      <a:r>
-                        <a:rPr lang="en-IN" sz="2000" dirty="0"/>
-                        <a:t>Relational (PostgreSQL, MySQL)</a:t>
-                      </a:r>
-                    </a:p>
-                  </a:txBody>
-                  <a:tcPr anchor="ctr"/>
-                </a:tc>
-                <a:extLst>
-                  <a:ext uri="{0D108BD9-81ED-4DB2-BD59-A6C34878D82A}">
-                    <a16:rowId xmlns:a16="http://schemas.microsoft.com/office/drawing/2014/main" val="745731785"/>
-                  </a:ext>
-                </a:extLst>
-              </a:tr>
-              <a:tr h="718546">
-                <a:tc>
-                  <a:txBody>
-                    <a:bodyPr/>
-                    <a:lstStyle/>
-                    <a:p>
-                      <a:pPr marL="0" marR="0" lvl="0" indent="0" algn="l" defTabSz="914400" rtl="0" eaLnBrk="1" fontAlgn="auto" latinLnBrk="0" hangingPunct="1">
-                        <a:lnSpc>
-                          <a:spcPct val="100000"/>
-                        </a:lnSpc>
-                        <a:spcBef>
-                          <a:spcPts val="0"/>
-                        </a:spcBef>
-                        <a:spcAft>
-                          <a:spcPts val="0"/>
-                        </a:spcAft>
-                        <a:buClrTx/>
-                        <a:buSzTx/>
-                        <a:buFontTx/>
-                        <a:buNone/>
-                        <a:tabLst/>
-                        <a:defRPr/>
-                      </a:pPr>
-                      <a:r>
-                        <a:rPr lang="en-IN" sz="2000" b="1" dirty="0"/>
-                        <a:t>Semi-structured (JSON)</a:t>
-                      </a:r>
-                      <a:endParaRPr lang="en-IN" sz="2000" dirty="0"/>
-                    </a:p>
-                    <a:p>
-                      <a:pPr>
-                        <a:buNone/>
-                      </a:pPr>
-                      <a:endParaRPr lang="en-IN" sz="2000" dirty="0"/>
-                    </a:p>
-                  </a:txBody>
-                  <a:tcPr anchor="ctr"/>
-                </a:tc>
-                <a:tc>
-                  <a:txBody>
-                    <a:bodyPr/>
-                    <a:lstStyle/>
-                    <a:p>
-                      <a:pPr marL="0" marR="0" lvl="0" indent="0" algn="l" defTabSz="914400" rtl="0" eaLnBrk="1" fontAlgn="auto" latinLnBrk="0" hangingPunct="1">
-                        <a:lnSpc>
-                          <a:spcPct val="100000"/>
-                        </a:lnSpc>
-                        <a:spcBef>
-                          <a:spcPts val="0"/>
-                        </a:spcBef>
-                        <a:spcAft>
-                          <a:spcPts val="0"/>
-                        </a:spcAft>
-                        <a:buClrTx/>
-                        <a:buSzTx/>
-                        <a:buFontTx/>
-                        <a:buNone/>
-                        <a:tabLst/>
-                        <a:defRPr/>
-                      </a:pPr>
-                      <a:r>
-                        <a:rPr lang="en-IN" sz="2000" dirty="0"/>
-                        <a:t>Document Store (MongoDB)</a:t>
-                      </a:r>
-                    </a:p>
-                  </a:txBody>
-                  <a:tcPr anchor="ctr"/>
-                </a:tc>
-                <a:extLst>
-                  <a:ext uri="{0D108BD9-81ED-4DB2-BD59-A6C34878D82A}">
-                    <a16:rowId xmlns:a16="http://schemas.microsoft.com/office/drawing/2014/main" val="3199152598"/>
-                  </a:ext>
-                </a:extLst>
-              </a:tr>
-              <a:tr h="718546">
-                <a:tc>
-                  <a:txBody>
-                    <a:bodyPr/>
-                    <a:lstStyle/>
-                    <a:p>
-                      <a:pPr marL="0" marR="0" lvl="0" indent="0" algn="l" defTabSz="914400" rtl="0" eaLnBrk="1" fontAlgn="auto" latinLnBrk="0" hangingPunct="1">
-                        <a:lnSpc>
-                          <a:spcPct val="100000"/>
-                        </a:lnSpc>
-                        <a:spcBef>
-                          <a:spcPts val="0"/>
-                        </a:spcBef>
-                        <a:spcAft>
-                          <a:spcPts val="0"/>
-                        </a:spcAft>
-                        <a:buClrTx/>
-                        <a:buSzTx/>
-                        <a:buFontTx/>
-                        <a:buNone/>
-                        <a:tabLst/>
-                        <a:defRPr/>
-                      </a:pPr>
-                      <a:r>
-                        <a:rPr lang="en-IN" sz="2000" b="1" dirty="0"/>
-                        <a:t>Key-based lookup</a:t>
-                      </a:r>
-                      <a:endParaRPr lang="en-IN" sz="2000" dirty="0"/>
-                    </a:p>
-                    <a:p>
-                      <a:pPr>
-                        <a:buNone/>
-                      </a:pPr>
-                      <a:endParaRPr lang="en-IN" sz="2000" dirty="0"/>
-                    </a:p>
-                  </a:txBody>
-                  <a:tcPr anchor="ctr"/>
-                </a:tc>
-                <a:tc>
-                  <a:txBody>
-                    <a:bodyPr/>
-                    <a:lstStyle/>
-                    <a:p>
-                      <a:pPr marL="0" marR="0" lvl="0" indent="0" algn="l" defTabSz="914400" rtl="0" eaLnBrk="1" fontAlgn="auto" latinLnBrk="0" hangingPunct="1">
-                        <a:lnSpc>
-                          <a:spcPct val="100000"/>
-                        </a:lnSpc>
-                        <a:spcBef>
-                          <a:spcPts val="0"/>
-                        </a:spcBef>
-                        <a:spcAft>
-                          <a:spcPts val="0"/>
-                        </a:spcAft>
-                        <a:buClrTx/>
-                        <a:buSzTx/>
-                        <a:buFontTx/>
-                        <a:buNone/>
-                        <a:tabLst/>
-                        <a:defRPr/>
-                      </a:pPr>
-                      <a:r>
-                        <a:rPr lang="en-IN" sz="2000" dirty="0"/>
-                        <a:t>Key-Value Store (Redis, DynamoDB)</a:t>
-                      </a:r>
-                    </a:p>
-                  </a:txBody>
-                  <a:tcPr anchor="ctr"/>
-                </a:tc>
-                <a:extLst>
-                  <a:ext uri="{0D108BD9-81ED-4DB2-BD59-A6C34878D82A}">
-                    <a16:rowId xmlns:a16="http://schemas.microsoft.com/office/drawing/2014/main" val="2508513669"/>
-                  </a:ext>
-                </a:extLst>
-              </a:tr>
-              <a:tr h="718546">
-                <a:tc>
-                  <a:txBody>
-                    <a:bodyPr/>
-                    <a:lstStyle/>
-                    <a:p>
-                      <a:pPr marL="0" marR="0" lvl="0" indent="0" algn="l" defTabSz="914400" rtl="0" eaLnBrk="1" fontAlgn="auto" latinLnBrk="0" hangingPunct="1">
-                        <a:lnSpc>
-                          <a:spcPct val="100000"/>
-                        </a:lnSpc>
-                        <a:spcBef>
-                          <a:spcPts val="0"/>
-                        </a:spcBef>
-                        <a:spcAft>
-                          <a:spcPts val="0"/>
-                        </a:spcAft>
-                        <a:buClrTx/>
-                        <a:buSzTx/>
-                        <a:buFontTx/>
-                        <a:buNone/>
-                        <a:tabLst/>
-                        <a:defRPr/>
-                      </a:pPr>
-                      <a:r>
-                        <a:rPr lang="en-IN" sz="2000" b="1" dirty="0"/>
-                        <a:t>Time-series</a:t>
-                      </a:r>
-                      <a:endParaRPr lang="en-IN" sz="2000" dirty="0"/>
-                    </a:p>
-                    <a:p>
-                      <a:pPr>
-                        <a:buNone/>
-                      </a:pPr>
-                      <a:endParaRPr lang="en-IN" sz="2000" dirty="0"/>
-                    </a:p>
-                  </a:txBody>
-                  <a:tcPr anchor="ctr"/>
-                </a:tc>
-                <a:tc>
-                  <a:txBody>
-                    <a:bodyPr/>
-                    <a:lstStyle/>
-                    <a:p>
-                      <a:pPr marL="0" marR="0" lvl="0" indent="0" algn="l" defTabSz="914400" rtl="0" eaLnBrk="1" fontAlgn="auto" latinLnBrk="0" hangingPunct="1">
-                        <a:lnSpc>
-                          <a:spcPct val="100000"/>
-                        </a:lnSpc>
-                        <a:spcBef>
-                          <a:spcPts val="0"/>
-                        </a:spcBef>
-                        <a:spcAft>
-                          <a:spcPts val="0"/>
-                        </a:spcAft>
-                        <a:buClrTx/>
-                        <a:buSzTx/>
-                        <a:buFontTx/>
-                        <a:buNone/>
-                        <a:tabLst/>
-                        <a:defRPr/>
-                      </a:pPr>
-                      <a:r>
-                        <a:rPr lang="en-IN" sz="2000" dirty="0"/>
-                        <a:t>Time-Series DB (</a:t>
-                      </a:r>
-                      <a:r>
-                        <a:rPr lang="en-IN" sz="2000" dirty="0" err="1"/>
-                        <a:t>InfluxDB</a:t>
-                      </a:r>
-                      <a:r>
-                        <a:rPr lang="en-IN" sz="2000" dirty="0"/>
-                        <a:t>, </a:t>
-                      </a:r>
-                      <a:r>
-                        <a:rPr lang="en-IN" sz="2000" dirty="0" err="1"/>
-                        <a:t>TimescaleDB</a:t>
-                      </a:r>
-                      <a:r>
-                        <a:rPr lang="en-IN" sz="2000" dirty="0"/>
-                        <a:t>)</a:t>
-                      </a:r>
-                    </a:p>
-                    <a:p>
-                      <a:pPr>
-                        <a:buNone/>
-                      </a:pPr>
-                      <a:endParaRPr lang="en-IN" sz="2000" dirty="0"/>
-                    </a:p>
-                  </a:txBody>
-                  <a:tcPr anchor="ctr"/>
-                </a:tc>
-                <a:extLst>
-                  <a:ext uri="{0D108BD9-81ED-4DB2-BD59-A6C34878D82A}">
-                    <a16:rowId xmlns:a16="http://schemas.microsoft.com/office/drawing/2014/main" val="1624941352"/>
-                  </a:ext>
-                </a:extLst>
-              </a:tr>
-              <a:tr h="718546">
-                <a:tc>
-                  <a:txBody>
-                    <a:bodyPr/>
-                    <a:lstStyle/>
-                    <a:p>
-                      <a:pPr marL="0" marR="0" lvl="0" indent="0" algn="l" defTabSz="914400" rtl="0" eaLnBrk="1" fontAlgn="auto" latinLnBrk="0" hangingPunct="1">
-                        <a:lnSpc>
-                          <a:spcPct val="100000"/>
-                        </a:lnSpc>
-                        <a:spcBef>
-                          <a:spcPts val="0"/>
-                        </a:spcBef>
-                        <a:spcAft>
-                          <a:spcPts val="0"/>
-                        </a:spcAft>
-                        <a:buClrTx/>
-                        <a:buSzTx/>
-                        <a:buFontTx/>
-                        <a:buNone/>
-                        <a:tabLst/>
-                        <a:defRPr/>
-                      </a:pPr>
-                      <a:r>
-                        <a:rPr lang="en-IN" sz="2000" b="1" dirty="0"/>
-                        <a:t>Relationship-heavy</a:t>
-                      </a:r>
-                      <a:endParaRPr lang="en-IN" sz="2000" dirty="0"/>
-                    </a:p>
-                    <a:p>
-                      <a:pPr>
-                        <a:buNone/>
-                      </a:pPr>
-                      <a:endParaRPr lang="en-IN" sz="2000" dirty="0"/>
-                    </a:p>
-                  </a:txBody>
-                  <a:tcPr anchor="ctr"/>
-                </a:tc>
-                <a:tc>
-                  <a:txBody>
-                    <a:bodyPr/>
-                    <a:lstStyle/>
-                    <a:p>
-                      <a:pPr marL="0" marR="0" lvl="0" indent="0" algn="l" defTabSz="914400" rtl="0" eaLnBrk="1" fontAlgn="auto" latinLnBrk="0" hangingPunct="1">
-                        <a:lnSpc>
-                          <a:spcPct val="100000"/>
-                        </a:lnSpc>
-                        <a:spcBef>
-                          <a:spcPts val="0"/>
-                        </a:spcBef>
-                        <a:spcAft>
-                          <a:spcPts val="0"/>
-                        </a:spcAft>
-                        <a:buClrTx/>
-                        <a:buSzTx/>
-                        <a:buFontTx/>
-                        <a:buNone/>
-                        <a:tabLst/>
-                        <a:defRPr/>
-                      </a:pPr>
-                      <a:r>
-                        <a:rPr lang="en-IN" sz="2000" dirty="0"/>
-                        <a:t>Graph DB (Neo4j, Neptune)</a:t>
-                      </a:r>
-                    </a:p>
-                  </a:txBody>
-                  <a:tcPr anchor="ctr"/>
-                </a:tc>
-                <a:extLst>
-                  <a:ext uri="{0D108BD9-81ED-4DB2-BD59-A6C34878D82A}">
-                    <a16:rowId xmlns:a16="http://schemas.microsoft.com/office/drawing/2014/main" val="2803446654"/>
-                  </a:ext>
-                </a:extLst>
-              </a:tr>
-              <a:tr h="718546">
-                <a:tc>
-                  <a:txBody>
-                    <a:bodyPr/>
-                    <a:lstStyle/>
-                    <a:p>
-                      <a:pPr marL="0" marR="0" lvl="0" indent="0" algn="l" defTabSz="914400" rtl="0" eaLnBrk="1" fontAlgn="auto" latinLnBrk="0" hangingPunct="1">
-                        <a:lnSpc>
-                          <a:spcPct val="100000"/>
-                        </a:lnSpc>
-                        <a:spcBef>
-                          <a:spcPts val="0"/>
-                        </a:spcBef>
-                        <a:spcAft>
-                          <a:spcPts val="0"/>
-                        </a:spcAft>
-                        <a:buClrTx/>
-                        <a:buSzTx/>
-                        <a:buFontTx/>
-                        <a:buNone/>
-                        <a:tabLst/>
-                        <a:defRPr/>
-                      </a:pPr>
-                      <a:r>
-                        <a:rPr lang="en-IN" sz="2000" b="1" dirty="0"/>
-                        <a:t>Analytical workloads</a:t>
-                      </a:r>
-                      <a:endParaRPr lang="en-IN" sz="2000" dirty="0"/>
-                    </a:p>
-                    <a:p>
-                      <a:pPr>
-                        <a:buNone/>
-                      </a:pPr>
-                      <a:endParaRPr lang="en-IN" sz="2000" dirty="0"/>
-                    </a:p>
-                  </a:txBody>
-                  <a:tcPr anchor="ctr"/>
-                </a:tc>
-                <a:tc>
-                  <a:txBody>
-                    <a:bodyPr/>
-                    <a:lstStyle/>
-                    <a:p>
-                      <a:pPr marL="0" marR="0" lvl="0" indent="0" algn="l" defTabSz="914400" rtl="0" eaLnBrk="1" fontAlgn="auto" latinLnBrk="0" hangingPunct="1">
-                        <a:lnSpc>
-                          <a:spcPct val="100000"/>
-                        </a:lnSpc>
-                        <a:spcBef>
-                          <a:spcPts val="0"/>
-                        </a:spcBef>
-                        <a:spcAft>
-                          <a:spcPts val="0"/>
-                        </a:spcAft>
-                        <a:buClrTx/>
-                        <a:buSzTx/>
-                        <a:buFontTx/>
-                        <a:buNone/>
-                        <a:tabLst/>
-                        <a:defRPr/>
-                      </a:pPr>
-                      <a:r>
-                        <a:rPr lang="en-US" sz="2000" dirty="0"/>
-                        <a:t>Columnar DB (</a:t>
-                      </a:r>
-                      <a:r>
-                        <a:rPr lang="en-US" sz="2000" dirty="0" err="1"/>
-                        <a:t>BigQuery</a:t>
-                      </a:r>
-                      <a:r>
-                        <a:rPr lang="en-US" sz="2000" dirty="0"/>
-                        <a:t>, Snowflake)</a:t>
-                      </a:r>
-                    </a:p>
-                  </a:txBody>
-                  <a:tcPr anchor="ctr"/>
-                </a:tc>
-                <a:extLst>
-                  <a:ext uri="{0D108BD9-81ED-4DB2-BD59-A6C34878D82A}">
-                    <a16:rowId xmlns:a16="http://schemas.microsoft.com/office/drawing/2014/main" val="1050739160"/>
-                  </a:ext>
-                </a:extLst>
-              </a:tr>
-            </a:tbl>
-          </a:graphicData>
-        </a:graphic>
-      </p:graphicFrame>
+      <p:sp>
+        <p:nvSpPr>
+          <p:cNvPr id="3" name="Content Placeholder 2">
+            <a:extLst>
+              <a:ext uri="{FF2B5EF4-FFF2-40B4-BE49-F238E27FC236}">
+                <a16:creationId xmlns:a16="http://schemas.microsoft.com/office/drawing/2014/main" id="{F2AB57C8-3590-AB0B-0971-0BDEAFA085D8}"/>
+              </a:ext>
+            </a:extLst>
+          </p:cNvPr>
+          <p:cNvSpPr>
+            <a:spLocks noGrp="1"/>
+          </p:cNvSpPr>
+          <p:nvPr>
+            <p:ph idx="1"/>
+          </p:nvPr>
+        </p:nvSpPr>
+        <p:spPr/>
+        <p:txBody>
+          <a:bodyPr>
+            <a:normAutofit/>
+          </a:bodyPr>
+          <a:lstStyle/>
+          <a:p>
+            <a:pPr marL="0" indent="0">
+              <a:buNone/>
+            </a:pPr>
+            <a:r>
+              <a:rPr lang="en-US" b="1" dirty="0">
+                <a:solidFill>
+                  <a:srgbClr val="FF0000"/>
+                </a:solidFill>
+              </a:rPr>
+              <a:t>Performance Bottlenecks</a:t>
+            </a:r>
+          </a:p>
+          <a:p>
+            <a:pPr lvl="1"/>
+            <a:r>
+              <a:rPr lang="en-US" b="1" dirty="0">
+                <a:solidFill>
+                  <a:srgbClr val="00B050"/>
+                </a:solidFill>
+              </a:rPr>
+              <a:t>Joins and Complex Queries: </a:t>
+            </a:r>
+            <a:r>
+              <a:rPr lang="en-US" b="1" dirty="0">
+                <a:solidFill>
+                  <a:srgbClr val="002060"/>
+                </a:solidFill>
+              </a:rPr>
+              <a:t>Can slow down performance with large datasets.</a:t>
+            </a:r>
+          </a:p>
+          <a:p>
+            <a:pPr lvl="1"/>
+            <a:r>
+              <a:rPr lang="en-US" b="1" dirty="0">
+                <a:solidFill>
+                  <a:srgbClr val="00B050"/>
+                </a:solidFill>
+              </a:rPr>
+              <a:t>Write-Heavy Workloads: </a:t>
+            </a:r>
+            <a:r>
+              <a:rPr lang="en-US" b="1" dirty="0">
+                <a:solidFill>
+                  <a:srgbClr val="002060"/>
+                </a:solidFill>
+              </a:rPr>
+              <a:t>Not optimized for high-speed, concurrent writes.</a:t>
+            </a:r>
+          </a:p>
+          <a:p>
+            <a:pPr marL="0" indent="0">
+              <a:buNone/>
+            </a:pPr>
+            <a:r>
+              <a:rPr lang="en-US" dirty="0"/>
+              <a:t> </a:t>
+            </a:r>
+            <a:r>
+              <a:rPr lang="en-US" b="1" dirty="0">
+                <a:solidFill>
+                  <a:srgbClr val="FF0000"/>
+                </a:solidFill>
+              </a:rPr>
+              <a:t>Complexity in Distributed Systems</a:t>
+            </a:r>
+          </a:p>
+          <a:p>
+            <a:pPr lvl="1"/>
+            <a:r>
+              <a:rPr lang="en-US" b="1" dirty="0">
+                <a:solidFill>
+                  <a:srgbClr val="00B050"/>
+                </a:solidFill>
+              </a:rPr>
+              <a:t>Replication and Failover: </a:t>
+            </a:r>
+            <a:r>
+              <a:rPr lang="en-US" b="1" dirty="0">
+                <a:solidFill>
+                  <a:srgbClr val="002060"/>
+                </a:solidFill>
+              </a:rPr>
+              <a:t>Requires careful configuration to maintain consistency and availability</a:t>
+            </a:r>
+            <a:r>
+              <a:rPr lang="en-US" dirty="0"/>
+              <a:t>.</a:t>
+            </a:r>
+          </a:p>
+          <a:p>
+            <a:pPr lvl="1"/>
+            <a:r>
+              <a:rPr lang="en-US" b="1" dirty="0">
+                <a:solidFill>
+                  <a:srgbClr val="00B050"/>
+                </a:solidFill>
+              </a:rPr>
+              <a:t>Latency in Global Deployments: </a:t>
+            </a:r>
+            <a:r>
+              <a:rPr lang="en-US" b="1" dirty="0">
+                <a:solidFill>
+                  <a:srgbClr val="002060"/>
+                </a:solidFill>
+              </a:rPr>
+              <a:t>ACID compliance can introduce latency across distributed nodes.</a:t>
+            </a:r>
+            <a:endParaRPr lang="en-IN" b="1" dirty="0">
+              <a:solidFill>
+                <a:srgbClr val="002060"/>
+              </a:solidFill>
+            </a:endParaRPr>
+          </a:p>
+        </p:txBody>
+      </p:sp>
     </p:spTree>
     <p:extLst>
       <p:ext uri="{BB962C8B-B14F-4D97-AF65-F5344CB8AC3E}">
@@ -7260,10 +6337,480 @@
   <p:cSld>
     <p:spTree>
       <p:nvGrpSpPr>
+        <p:cNvPr id="1" name=""/>
+        <p:cNvGrpSpPr/>
+        <p:nvPr/>
+      </p:nvGrpSpPr>
+      <p:grpSpPr>
+        <a:xfrm>
+          <a:off x="0" y="0"/>
+          <a:ext cx="0" cy="0"/>
+          <a:chOff x="0" y="0"/>
+          <a:chExt cx="0" cy="0"/>
+        </a:xfrm>
+      </p:grpSpPr>
+      <p:sp>
+        <p:nvSpPr>
+          <p:cNvPr id="2" name="Title 1">
+            <a:extLst>
+              <a:ext uri="{FF2B5EF4-FFF2-40B4-BE49-F238E27FC236}">
+                <a16:creationId xmlns:a16="http://schemas.microsoft.com/office/drawing/2014/main" id="{FDD2D43C-6F4D-1173-530C-E3081232D541}"/>
+              </a:ext>
+            </a:extLst>
+          </p:cNvPr>
+          <p:cNvSpPr>
+            <a:spLocks noGrp="1"/>
+          </p:cNvSpPr>
+          <p:nvPr>
+            <p:ph type="title"/>
+          </p:nvPr>
+        </p:nvSpPr>
+        <p:spPr>
+          <a:xfrm>
+            <a:off x="838200" y="365125"/>
+            <a:ext cx="10515600" cy="1238823"/>
+          </a:xfrm>
+        </p:spPr>
+        <p:txBody>
+          <a:bodyPr>
+            <a:normAutofit fontScale="90000"/>
+          </a:bodyPr>
+          <a:lstStyle/>
+          <a:p>
+            <a:r>
+              <a:rPr lang="en-IN" b="1" dirty="0">
+                <a:solidFill>
+                  <a:srgbClr val="C00000"/>
+                </a:solidFill>
+              </a:rPr>
+              <a:t>Limitations of NoSQL Databases (Non-Relational)</a:t>
+            </a:r>
+            <a:br>
+              <a:rPr lang="en-IN" dirty="0"/>
+            </a:br>
+            <a:endParaRPr lang="en-IN" dirty="0"/>
+          </a:p>
+        </p:txBody>
+      </p:sp>
+      <p:sp>
+        <p:nvSpPr>
+          <p:cNvPr id="3" name="Content Placeholder 2">
+            <a:extLst>
+              <a:ext uri="{FF2B5EF4-FFF2-40B4-BE49-F238E27FC236}">
+                <a16:creationId xmlns:a16="http://schemas.microsoft.com/office/drawing/2014/main" id="{42D72F37-B2B8-34DE-35CD-6E2743850362}"/>
+              </a:ext>
+            </a:extLst>
+          </p:cNvPr>
+          <p:cNvSpPr>
+            <a:spLocks noGrp="1"/>
+          </p:cNvSpPr>
+          <p:nvPr>
+            <p:ph idx="1"/>
+          </p:nvPr>
+        </p:nvSpPr>
+        <p:spPr>
+          <a:xfrm>
+            <a:off x="838200" y="1394085"/>
+            <a:ext cx="10515600" cy="4782878"/>
+          </a:xfrm>
+        </p:spPr>
+        <p:txBody>
+          <a:bodyPr>
+            <a:normAutofit/>
+          </a:bodyPr>
+          <a:lstStyle/>
+          <a:p>
+            <a:pPr marL="0" indent="0">
+              <a:buNone/>
+            </a:pPr>
+            <a:r>
+              <a:rPr lang="en-IN" b="1" dirty="0">
+                <a:solidFill>
+                  <a:srgbClr val="FF0000"/>
+                </a:solidFill>
+              </a:rPr>
+              <a:t>Weaker Consistency Guarantees</a:t>
+            </a:r>
+          </a:p>
+          <a:p>
+            <a:pPr lvl="1"/>
+            <a:r>
+              <a:rPr lang="en-IN" b="1" dirty="0">
+                <a:solidFill>
+                  <a:srgbClr val="00B050"/>
+                </a:solidFill>
+              </a:rPr>
+              <a:t>Eventual Consistency: </a:t>
+            </a:r>
+            <a:r>
+              <a:rPr lang="en-IN" b="1" dirty="0">
+                <a:solidFill>
+                  <a:srgbClr val="002060"/>
+                </a:solidFill>
+              </a:rPr>
+              <a:t>Many NoSQL systems sacrifice immediate consistency for availability and partition tolerance (CAP theorem).</a:t>
+            </a:r>
+          </a:p>
+          <a:p>
+            <a:pPr lvl="1"/>
+            <a:r>
+              <a:rPr lang="en-IN" b="1" dirty="0">
+                <a:solidFill>
+                  <a:srgbClr val="00B050"/>
+                </a:solidFill>
+              </a:rPr>
+              <a:t>Data Conflicts: </a:t>
+            </a:r>
+            <a:r>
+              <a:rPr lang="en-IN" b="1" dirty="0">
+                <a:solidFill>
+                  <a:srgbClr val="002060"/>
+                </a:solidFill>
+              </a:rPr>
+              <a:t>Can arise in distributed systems without strong consistency controls.</a:t>
+            </a:r>
+          </a:p>
+          <a:p>
+            <a:pPr marL="0" indent="0">
+              <a:buNone/>
+            </a:pPr>
+            <a:r>
+              <a:rPr lang="en-IN" b="1" dirty="0">
+                <a:solidFill>
+                  <a:srgbClr val="FF0000"/>
+                </a:solidFill>
+              </a:rPr>
+              <a:t>Query Limitations</a:t>
+            </a:r>
+          </a:p>
+          <a:p>
+            <a:pPr lvl="1"/>
+            <a:r>
+              <a:rPr lang="en-IN" b="1" dirty="0">
+                <a:solidFill>
+                  <a:srgbClr val="00B050"/>
+                </a:solidFill>
+              </a:rPr>
+              <a:t>Limited Join Support: </a:t>
+            </a:r>
+            <a:r>
+              <a:rPr lang="en-IN" b="1" dirty="0">
+                <a:solidFill>
+                  <a:srgbClr val="002060"/>
+                </a:solidFill>
+              </a:rPr>
+              <a:t>Most NoSQL databases don’t support joins, making complex queries harder.</a:t>
+            </a:r>
+          </a:p>
+          <a:p>
+            <a:pPr lvl="1"/>
+            <a:r>
+              <a:rPr lang="en-IN" b="1" dirty="0">
+                <a:solidFill>
+                  <a:srgbClr val="00B050"/>
+                </a:solidFill>
+              </a:rPr>
+              <a:t>Custom Query Languages: </a:t>
+            </a:r>
+            <a:r>
+              <a:rPr lang="en-IN" b="1" dirty="0">
+                <a:solidFill>
+                  <a:srgbClr val="002060"/>
+                </a:solidFill>
+              </a:rPr>
+              <a:t>Lack of standardization across NoSQL systems (e.g., MongoDB uses BSON queries).</a:t>
+            </a:r>
+          </a:p>
+        </p:txBody>
+      </p:sp>
+    </p:spTree>
+    <p:extLst>
+      <p:ext uri="{BB962C8B-B14F-4D97-AF65-F5344CB8AC3E}">
+        <p14:creationId xmlns:p14="http://schemas.microsoft.com/office/powerpoint/2010/main" val="2677161131"/>
+      </p:ext>
+    </p:extLst>
+  </p:cSld>
+  <p:clrMapOvr>
+    <a:masterClrMapping/>
+  </p:clrMapOvr>
+</p:sld>
+</file>
+
+<file path=ppt/slides/slide8.xml><?xml version="1.0" encoding="utf-8"?>
+<p:sld xmlns:a="http://schemas.openxmlformats.org/drawingml/2006/main" xmlns:r="http://schemas.openxmlformats.org/officeDocument/2006/relationships" xmlns:p="http://schemas.openxmlformats.org/presentationml/2006/main">
+  <p:cSld>
+    <p:spTree>
+      <p:nvGrpSpPr>
         <p:cNvPr id="1" name="">
           <a:extLst>
             <a:ext uri="{FF2B5EF4-FFF2-40B4-BE49-F238E27FC236}">
-              <a16:creationId xmlns:a16="http://schemas.microsoft.com/office/drawing/2014/main" id="{45FF97E2-9267-50F6-4936-2437D4F952AD}"/>
+              <a16:creationId xmlns:a16="http://schemas.microsoft.com/office/drawing/2014/main" id="{F9DBD36F-EEA0-2C54-E258-49D79322EFB3}"/>
+            </a:ext>
+          </a:extLst>
+        </p:cNvPr>
+        <p:cNvGrpSpPr/>
+        <p:nvPr/>
+      </p:nvGrpSpPr>
+      <p:grpSpPr>
+        <a:xfrm>
+          <a:off x="0" y="0"/>
+          <a:ext cx="0" cy="0"/>
+          <a:chOff x="0" y="0"/>
+          <a:chExt cx="0" cy="0"/>
+        </a:xfrm>
+      </p:grpSpPr>
+      <p:sp>
+        <p:nvSpPr>
+          <p:cNvPr id="2" name="Title 1">
+            <a:extLst>
+              <a:ext uri="{FF2B5EF4-FFF2-40B4-BE49-F238E27FC236}">
+                <a16:creationId xmlns:a16="http://schemas.microsoft.com/office/drawing/2014/main" id="{96F516A4-3719-710E-FE10-237884F7E49A}"/>
+              </a:ext>
+            </a:extLst>
+          </p:cNvPr>
+          <p:cNvSpPr>
+            <a:spLocks noGrp="1"/>
+          </p:cNvSpPr>
+          <p:nvPr>
+            <p:ph type="title"/>
+          </p:nvPr>
+        </p:nvSpPr>
+        <p:spPr>
+          <a:xfrm>
+            <a:off x="838200" y="365125"/>
+            <a:ext cx="10515600" cy="1238823"/>
+          </a:xfrm>
+        </p:spPr>
+        <p:txBody>
+          <a:bodyPr>
+            <a:normAutofit fontScale="90000"/>
+          </a:bodyPr>
+          <a:lstStyle/>
+          <a:p>
+            <a:r>
+              <a:rPr lang="en-IN" b="1" dirty="0">
+                <a:solidFill>
+                  <a:srgbClr val="C00000"/>
+                </a:solidFill>
+              </a:rPr>
+              <a:t>Limitations of NoSQL Databases (Non-Relational)</a:t>
+            </a:r>
+            <a:br>
+              <a:rPr lang="en-IN" dirty="0"/>
+            </a:br>
+            <a:endParaRPr lang="en-IN" dirty="0"/>
+          </a:p>
+        </p:txBody>
+      </p:sp>
+      <p:sp>
+        <p:nvSpPr>
+          <p:cNvPr id="3" name="Content Placeholder 2">
+            <a:extLst>
+              <a:ext uri="{FF2B5EF4-FFF2-40B4-BE49-F238E27FC236}">
+                <a16:creationId xmlns:a16="http://schemas.microsoft.com/office/drawing/2014/main" id="{A6CCEA4A-D201-F18C-CE2D-51BB7A404C66}"/>
+              </a:ext>
+            </a:extLst>
+          </p:cNvPr>
+          <p:cNvSpPr>
+            <a:spLocks noGrp="1"/>
+          </p:cNvSpPr>
+          <p:nvPr>
+            <p:ph idx="1"/>
+          </p:nvPr>
+        </p:nvSpPr>
+        <p:spPr>
+          <a:xfrm>
+            <a:off x="838200" y="1394085"/>
+            <a:ext cx="10515600" cy="4272197"/>
+          </a:xfrm>
+        </p:spPr>
+        <p:txBody>
+          <a:bodyPr>
+            <a:normAutofit fontScale="92500" lnSpcReduction="10000"/>
+          </a:bodyPr>
+          <a:lstStyle/>
+          <a:p>
+            <a:pPr marL="0" indent="0">
+              <a:buNone/>
+            </a:pPr>
+            <a:r>
+              <a:rPr lang="en-US" b="1" dirty="0">
+                <a:solidFill>
+                  <a:srgbClr val="FF0000"/>
+                </a:solidFill>
+              </a:rPr>
+              <a:t>Schema-less Pitfalls</a:t>
+            </a:r>
+          </a:p>
+          <a:p>
+            <a:pPr lvl="1"/>
+            <a:r>
+              <a:rPr lang="en-US" b="1" dirty="0">
+                <a:solidFill>
+                  <a:srgbClr val="00B050"/>
+                </a:solidFill>
+              </a:rPr>
+              <a:t>Data Integrity Risks: </a:t>
+            </a:r>
+            <a:r>
+              <a:rPr lang="en-US" b="1" dirty="0">
+                <a:solidFill>
+                  <a:srgbClr val="002060"/>
+                </a:solidFill>
+              </a:rPr>
+              <a:t>Without enforced schemas, inconsistent or malformed data can creep in.</a:t>
+            </a:r>
+          </a:p>
+          <a:p>
+            <a:pPr lvl="1"/>
+            <a:r>
+              <a:rPr lang="en-US" b="1" dirty="0">
+                <a:solidFill>
+                  <a:srgbClr val="00B050"/>
+                </a:solidFill>
+              </a:rPr>
+              <a:t>Validation Overhead: </a:t>
+            </a:r>
+            <a:r>
+              <a:rPr lang="en-US" b="1" dirty="0">
+                <a:solidFill>
+                  <a:srgbClr val="002060"/>
+                </a:solidFill>
+              </a:rPr>
+              <a:t>Developers must manually enforce data rules.</a:t>
+            </a:r>
+          </a:p>
+          <a:p>
+            <a:pPr marL="0" indent="0">
+              <a:buNone/>
+            </a:pPr>
+            <a:r>
+              <a:rPr lang="en-US" b="1" dirty="0">
+                <a:solidFill>
+                  <a:srgbClr val="FF0000"/>
+                </a:solidFill>
+              </a:rPr>
+              <a:t>Operational Complexity</a:t>
+            </a:r>
+          </a:p>
+          <a:p>
+            <a:pPr lvl="1"/>
+            <a:r>
+              <a:rPr lang="en-US" b="1" dirty="0">
+                <a:solidFill>
+                  <a:srgbClr val="00B050"/>
+                </a:solidFill>
+              </a:rPr>
+              <a:t>Backup and Restore: </a:t>
+            </a:r>
+            <a:r>
+              <a:rPr lang="en-US" b="1" dirty="0">
+                <a:solidFill>
+                  <a:srgbClr val="002060"/>
+                </a:solidFill>
+              </a:rPr>
+              <a:t>Can be more complex than traditional RDBMS.</a:t>
+            </a:r>
+          </a:p>
+          <a:p>
+            <a:pPr lvl="1"/>
+            <a:r>
+              <a:rPr lang="en-US" b="1" dirty="0">
+                <a:solidFill>
+                  <a:srgbClr val="00B050"/>
+                </a:solidFill>
+              </a:rPr>
+              <a:t>Monitoring and Debugging: </a:t>
+            </a:r>
+            <a:r>
+              <a:rPr lang="en-US" b="1" dirty="0">
+                <a:solidFill>
+                  <a:srgbClr val="002060"/>
+                </a:solidFill>
+              </a:rPr>
+              <a:t>Tools may be less mature or standardized.</a:t>
+            </a:r>
+          </a:p>
+          <a:p>
+            <a:pPr marL="0" indent="0">
+              <a:buNone/>
+            </a:pPr>
+            <a:r>
+              <a:rPr lang="en-US" b="1" dirty="0">
+                <a:solidFill>
+                  <a:srgbClr val="FF0000"/>
+                </a:solidFill>
+              </a:rPr>
+              <a:t>Security and Transactions</a:t>
+            </a:r>
+          </a:p>
+          <a:p>
+            <a:pPr lvl="1"/>
+            <a:r>
+              <a:rPr lang="en-US" b="1" dirty="0">
+                <a:solidFill>
+                  <a:srgbClr val="00B050"/>
+                </a:solidFill>
+              </a:rPr>
+              <a:t>Limited ACID Transactions: </a:t>
+            </a:r>
+            <a:r>
+              <a:rPr lang="en-US" b="1" dirty="0">
+                <a:solidFill>
+                  <a:srgbClr val="002060"/>
+                </a:solidFill>
+              </a:rPr>
+              <a:t>Some NoSQL systems offer only partial transaction support.</a:t>
+            </a:r>
+          </a:p>
+          <a:p>
+            <a:pPr lvl="1"/>
+            <a:r>
+              <a:rPr lang="en-US" b="1" dirty="0">
+                <a:solidFill>
+                  <a:srgbClr val="00B050"/>
+                </a:solidFill>
+              </a:rPr>
+              <a:t>Granular Access Control: </a:t>
+            </a:r>
+            <a:r>
+              <a:rPr lang="en-US" b="1" dirty="0">
+                <a:solidFill>
+                  <a:srgbClr val="002060"/>
+                </a:solidFill>
+              </a:rPr>
+              <a:t>May lack fine-grained security features found in mature RDBMS.</a:t>
+            </a:r>
+            <a:endParaRPr lang="en-IN" b="1" dirty="0">
+              <a:solidFill>
+                <a:srgbClr val="002060"/>
+              </a:solidFill>
+            </a:endParaRPr>
+          </a:p>
+        </p:txBody>
+      </p:sp>
+    </p:spTree>
+    <p:extLst>
+      <p:ext uri="{BB962C8B-B14F-4D97-AF65-F5344CB8AC3E}">
+        <p14:creationId xmlns:p14="http://schemas.microsoft.com/office/powerpoint/2010/main" val="1716240648"/>
+      </p:ext>
+    </p:extLst>
+  </p:cSld>
+  <p:clrMapOvr>
+    <a:masterClrMapping/>
+  </p:clrMapOvr>
+</p:sld>
+</file>
+
+<file path=ppt/slides/slide9.xml><?xml version="1.0" encoding="utf-8"?>
+<p:sld xmlns:a="http://schemas.openxmlformats.org/drawingml/2006/main" xmlns:r="http://schemas.openxmlformats.org/officeDocument/2006/relationships" xmlns:p="http://schemas.openxmlformats.org/presentationml/2006/main">
+  <p:cSld>
+    <p:spTree>
+      <p:nvGrpSpPr>
+        <p:cNvPr id="1" name="">
+          <a:extLst>
+            <a:ext uri="{FF2B5EF4-FFF2-40B4-BE49-F238E27FC236}">
+              <a16:creationId xmlns:a16="http://schemas.microsoft.com/office/drawing/2014/main" id="{08F020C8-C696-8712-6B14-34CA50EE353A}"/>
             </a:ext>
           </a:extLst>
         </p:cNvPr>
@@ -7283,7 +6830,7 @@
           <p:cNvPr id="9" name="Picture 8">
             <a:extLst>
               <a:ext uri="{FF2B5EF4-FFF2-40B4-BE49-F238E27FC236}">
-                <a16:creationId xmlns:a16="http://schemas.microsoft.com/office/drawing/2014/main" id="{70788C14-16D8-0AEA-6035-1F8144EC7CF4}"/>
+                <a16:creationId xmlns:a16="http://schemas.microsoft.com/office/drawing/2014/main" id="{7CC4CBFF-7920-70C0-A06E-0C70678C0D18}"/>
               </a:ext>
             </a:extLst>
           </p:cNvPr>
@@ -7319,7 +6866,7 @@
           <p:cNvPr id="12" name="Title 11">
             <a:extLst>
               <a:ext uri="{FF2B5EF4-FFF2-40B4-BE49-F238E27FC236}">
-                <a16:creationId xmlns:a16="http://schemas.microsoft.com/office/drawing/2014/main" id="{C4BAF04C-05FA-01F0-9477-3DF5B7CA5EBB}"/>
+                <a16:creationId xmlns:a16="http://schemas.microsoft.com/office/drawing/2014/main" id="{25BED996-97FE-4465-A247-9E0741B69D7B}"/>
               </a:ext>
             </a:extLst>
           </p:cNvPr>
@@ -7330,164 +6877,24 @@
             <p:ph type="title"/>
           </p:nvPr>
         </p:nvSpPr>
-        <p:spPr/>
-        <p:txBody>
-          <a:bodyPr>
-            <a:normAutofit fontScale="90000"/>
-          </a:bodyPr>
+        <p:spPr>
+          <a:xfrm>
+            <a:off x="838200" y="1058779"/>
+            <a:ext cx="10515600" cy="1411703"/>
+          </a:xfrm>
+        </p:spPr>
+        <p:txBody>
+          <a:bodyPr/>
           <a:lstStyle/>
           <a:p>
-            <a:br>
+            <a:r>
               <a:rPr lang="en-US" b="1" dirty="0">
                 <a:solidFill>
-                  <a:srgbClr val="002060"/>
-                </a:solidFill>
-              </a:rPr>
-            </a:br>
-            <a:br>
-              <a:rPr lang="en-US" b="1" dirty="0">
-                <a:solidFill>
-                  <a:srgbClr val="002060"/>
-                </a:solidFill>
-              </a:rPr>
-            </a:br>
-            <a:br>
-              <a:rPr lang="en-US" b="1" dirty="0">
-                <a:solidFill>
-                  <a:srgbClr val="002060"/>
-                </a:solidFill>
-              </a:rPr>
-            </a:br>
-            <a:br>
-              <a:rPr lang="en-US" b="1" dirty="0">
-                <a:solidFill>
-                  <a:srgbClr val="002060"/>
-                </a:solidFill>
-              </a:rPr>
-            </a:br>
-            <a:br>
-              <a:rPr lang="en-US" b="1" dirty="0">
-                <a:solidFill>
-                  <a:srgbClr val="002060"/>
-                </a:solidFill>
-              </a:rPr>
-            </a:br>
-            <a:br>
-              <a:rPr lang="en-US" b="1" dirty="0">
-                <a:solidFill>
-                  <a:srgbClr val="002060"/>
-                </a:solidFill>
-              </a:rPr>
-            </a:br>
-            <a:br>
-              <a:rPr lang="en-US" b="1" dirty="0">
-                <a:solidFill>
-                  <a:srgbClr val="002060"/>
-                </a:solidFill>
-              </a:rPr>
-            </a:br>
-            <a:br>
-              <a:rPr lang="en-US" b="1" dirty="0">
-                <a:solidFill>
-                  <a:srgbClr val="002060"/>
-                </a:solidFill>
-              </a:rPr>
-            </a:br>
-            <a:br>
-              <a:rPr lang="en-US" b="1" dirty="0">
-                <a:solidFill>
-                  <a:srgbClr val="002060"/>
-                </a:solidFill>
-              </a:rPr>
-            </a:br>
-            <a:br>
-              <a:rPr lang="en-US" b="1" dirty="0">
-                <a:solidFill>
-                  <a:srgbClr val="002060"/>
-                </a:solidFill>
-              </a:rPr>
-            </a:br>
-            <a:br>
-              <a:rPr lang="en-US" b="1" dirty="0">
-                <a:solidFill>
-                  <a:srgbClr val="002060"/>
-                </a:solidFill>
-              </a:rPr>
-            </a:br>
-            <a:r>
-              <a:rPr lang="en-US" b="1" dirty="0">
-                <a:solidFill>
-                  <a:srgbClr val="C00000"/>
-                </a:solidFill>
-              </a:rPr>
-              <a:t>Optimize for AI-Driven Performance</a:t>
-            </a:r>
-            <a:br>
-              <a:rPr lang="en-US" b="1" dirty="0">
-                <a:solidFill>
-                  <a:srgbClr val="002060"/>
-                </a:solidFill>
-              </a:rPr>
-            </a:br>
-            <a:br>
-              <a:rPr lang="en-US" b="1" dirty="0">
-                <a:solidFill>
-                  <a:srgbClr val="002060"/>
-                </a:solidFill>
-              </a:rPr>
-            </a:br>
-            <a:br>
-              <a:rPr lang="en-US" b="1" dirty="0">
-                <a:solidFill>
-                  <a:srgbClr val="002060"/>
-                </a:solidFill>
-              </a:rPr>
-            </a:br>
-            <a:br>
-              <a:rPr lang="en-IN" b="1" dirty="0"/>
-            </a:br>
-            <a:br>
-              <a:rPr lang="en-US" b="1" dirty="0">
-                <a:solidFill>
-                  <a:srgbClr val="C00000"/>
-                </a:solidFill>
-              </a:rPr>
-            </a:br>
-            <a:br>
-              <a:rPr lang="en-IN" b="1" dirty="0">
-                <a:solidFill>
-                  <a:srgbClr val="002060"/>
-                </a:solidFill>
-              </a:rPr>
-            </a:br>
-            <a:br>
-              <a:rPr lang="en-IN" b="1" dirty="0">
-                <a:solidFill>
-                  <a:srgbClr val="002060"/>
-                </a:solidFill>
-              </a:rPr>
-            </a:br>
-            <a:br>
-              <a:rPr lang="en-IN" b="1" dirty="0">
-                <a:solidFill>
-                  <a:srgbClr val="002060"/>
-                </a:solidFill>
-              </a:rPr>
-            </a:br>
-            <a:br>
-              <a:rPr lang="en-US" dirty="0">
-                <a:solidFill>
-                  <a:srgbClr val="002060"/>
-                </a:solidFill>
-              </a:rPr>
-            </a:br>
-            <a:br>
-              <a:rPr lang="en-US" dirty="0">
-                <a:solidFill>
-                  <a:srgbClr val="002060"/>
-                </a:solidFill>
-              </a:rPr>
-            </a:br>
+                  <a:srgbClr val="FF0000"/>
+                </a:solidFill>
+              </a:rPr>
+              <a:t>Thank You</a:t>
+            </a:r>
             <a:endParaRPr lang="en-IN" b="1" dirty="0">
               <a:solidFill>
                 <a:srgbClr val="FF0000"/>
@@ -7496,717 +6903,10 @@
           </a:p>
         </p:txBody>
       </p:sp>
-      <p:sp>
-        <p:nvSpPr>
-          <p:cNvPr id="3" name="Content Placeholder 2">
-            <a:extLst>
-              <a:ext uri="{FF2B5EF4-FFF2-40B4-BE49-F238E27FC236}">
-                <a16:creationId xmlns:a16="http://schemas.microsoft.com/office/drawing/2014/main" id="{BBFA249B-BA43-2952-B2E0-5A59FADAECE6}"/>
-              </a:ext>
-            </a:extLst>
-          </p:cNvPr>
-          <p:cNvSpPr>
-            <a:spLocks noGrp="1"/>
-          </p:cNvSpPr>
-          <p:nvPr>
-            <p:ph idx="1"/>
-          </p:nvPr>
-        </p:nvSpPr>
-        <p:spPr/>
-        <p:txBody>
-          <a:bodyPr/>
-          <a:lstStyle/>
-          <a:p>
-            <a:pPr marL="0" indent="0">
-              <a:buNone/>
-            </a:pPr>
-            <a:r>
-              <a:rPr lang="en-IN" b="1" dirty="0">
-                <a:solidFill>
-                  <a:srgbClr val="FF0000"/>
-                </a:solidFill>
-              </a:rPr>
-              <a:t>Automation &amp; Self-Tuning</a:t>
-            </a:r>
-          </a:p>
-          <a:p>
-            <a:pPr lvl="1"/>
-            <a:r>
-              <a:rPr lang="en-IN" b="1" dirty="0">
-                <a:solidFill>
-                  <a:srgbClr val="00B050"/>
-                </a:solidFill>
-              </a:rPr>
-              <a:t>Aurora &amp; Snowflake: </a:t>
-            </a:r>
-            <a:r>
-              <a:rPr lang="en-IN" b="1" dirty="0">
-                <a:solidFill>
-                  <a:srgbClr val="002060"/>
-                </a:solidFill>
-              </a:rPr>
-              <a:t>Auto-scaling, auto-indexing, and workload-aware optimization</a:t>
-            </a:r>
-          </a:p>
-          <a:p>
-            <a:pPr lvl="1"/>
-            <a:r>
-              <a:rPr lang="en-IN" b="1" dirty="0">
-                <a:solidFill>
-                  <a:srgbClr val="00B050"/>
-                </a:solidFill>
-              </a:rPr>
-              <a:t>AI-enhanced RDBMS: </a:t>
-            </a:r>
-            <a:r>
-              <a:rPr lang="en-IN" b="1" dirty="0">
-                <a:solidFill>
-                  <a:srgbClr val="002060"/>
-                </a:solidFill>
-              </a:rPr>
-              <a:t>Use tools like Oracle Autonomous DB or SQL Server Intelligent Query Processing</a:t>
-            </a:r>
-          </a:p>
-          <a:p>
-            <a:pPr marL="0" indent="0">
-              <a:buNone/>
-            </a:pPr>
-            <a:endParaRPr lang="en-IN" b="1" dirty="0"/>
-          </a:p>
-          <a:p>
-            <a:pPr marL="0" indent="0">
-              <a:buNone/>
-            </a:pPr>
-            <a:r>
-              <a:rPr lang="en-IN" b="1" dirty="0">
-                <a:solidFill>
-                  <a:srgbClr val="FF0000"/>
-                </a:solidFill>
-              </a:rPr>
-              <a:t>Predictive Analytics Integration</a:t>
-            </a:r>
-          </a:p>
-          <a:p>
-            <a:pPr marL="0" indent="0">
-              <a:buNone/>
-            </a:pPr>
-            <a:r>
-              <a:rPr lang="en-IN" sz="2400" b="1" dirty="0">
-                <a:solidFill>
-                  <a:srgbClr val="00B050"/>
-                </a:solidFill>
-              </a:rPr>
-              <a:t>Vector search </a:t>
-            </a:r>
-            <a:r>
-              <a:rPr lang="en-IN" sz="2400" b="1" dirty="0">
-                <a:solidFill>
-                  <a:srgbClr val="002060"/>
-                </a:solidFill>
-              </a:rPr>
-              <a:t>(e.g., Pinecone, Weaviate for embeddings)</a:t>
-            </a:r>
-          </a:p>
-          <a:p>
-            <a:pPr marL="0" indent="0">
-              <a:buNone/>
-            </a:pPr>
-            <a:r>
-              <a:rPr lang="en-IN" sz="2400" b="1" dirty="0">
-                <a:solidFill>
-                  <a:srgbClr val="00B050"/>
-                </a:solidFill>
-              </a:rPr>
-              <a:t>ML model hosting </a:t>
-            </a:r>
-            <a:r>
-              <a:rPr lang="en-IN" sz="2400" b="1" dirty="0">
-                <a:solidFill>
-                  <a:srgbClr val="002060"/>
-                </a:solidFill>
-              </a:rPr>
-              <a:t>(e.g., </a:t>
-            </a:r>
-            <a:r>
-              <a:rPr lang="en-IN" sz="2400" b="1" dirty="0" err="1">
-                <a:solidFill>
-                  <a:srgbClr val="002060"/>
-                </a:solidFill>
-              </a:rPr>
-              <a:t>BigQuery</a:t>
-            </a:r>
-            <a:r>
-              <a:rPr lang="en-IN" sz="2400" b="1" dirty="0">
-                <a:solidFill>
-                  <a:srgbClr val="002060"/>
-                </a:solidFill>
-              </a:rPr>
-              <a:t> ML, PostgreSQL with </a:t>
-            </a:r>
-            <a:r>
-              <a:rPr lang="en-IN" sz="2400" b="1" dirty="0" err="1">
-                <a:solidFill>
-                  <a:srgbClr val="002060"/>
-                </a:solidFill>
-              </a:rPr>
-              <a:t>pgvector</a:t>
-            </a:r>
-            <a:r>
-              <a:rPr lang="en-IN" sz="2400" b="1" dirty="0">
-                <a:solidFill>
-                  <a:srgbClr val="002060"/>
-                </a:solidFill>
-              </a:rPr>
-              <a:t>)</a:t>
-            </a:r>
-          </a:p>
-          <a:p>
-            <a:endParaRPr lang="en-IN" dirty="0"/>
-          </a:p>
-        </p:txBody>
-      </p:sp>
     </p:spTree>
     <p:extLst>
       <p:ext uri="{BB962C8B-B14F-4D97-AF65-F5344CB8AC3E}">
-        <p14:creationId xmlns:p14="http://schemas.microsoft.com/office/powerpoint/2010/main" val="3493401632"/>
-      </p:ext>
-    </p:extLst>
-  </p:cSld>
-  <p:clrMapOvr>
-    <a:masterClrMapping/>
-  </p:clrMapOvr>
-</p:sld>
-</file>
-
-<file path=ppt/slides/slide8.xml><?xml version="1.0" encoding="utf-8"?>
-<p:sld xmlns:a="http://schemas.openxmlformats.org/drawingml/2006/main" xmlns:r="http://schemas.openxmlformats.org/officeDocument/2006/relationships" xmlns:p="http://schemas.openxmlformats.org/presentationml/2006/main">
-  <p:cSld>
-    <p:spTree>
-      <p:nvGrpSpPr>
-        <p:cNvPr id="1" name=""/>
-        <p:cNvGrpSpPr/>
-        <p:nvPr/>
-      </p:nvGrpSpPr>
-      <p:grpSpPr>
-        <a:xfrm>
-          <a:off x="0" y="0"/>
-          <a:ext cx="0" cy="0"/>
-          <a:chOff x="0" y="0"/>
-          <a:chExt cx="0" cy="0"/>
-        </a:xfrm>
-      </p:grpSpPr>
-      <p:sp>
-        <p:nvSpPr>
-          <p:cNvPr id="2" name="Title 1">
-            <a:extLst>
-              <a:ext uri="{FF2B5EF4-FFF2-40B4-BE49-F238E27FC236}">
-                <a16:creationId xmlns:a16="http://schemas.microsoft.com/office/drawing/2014/main" id="{89CE0020-367A-7A16-22EA-15386A3143C0}"/>
-              </a:ext>
-            </a:extLst>
-          </p:cNvPr>
-          <p:cNvSpPr>
-            <a:spLocks noGrp="1"/>
-          </p:cNvSpPr>
-          <p:nvPr>
-            <p:ph type="title"/>
-          </p:nvPr>
-        </p:nvSpPr>
-        <p:spPr/>
-        <p:txBody>
-          <a:bodyPr/>
-          <a:lstStyle/>
-          <a:p>
-            <a:r>
-              <a:rPr lang="en-US" b="1" dirty="0">
-                <a:solidFill>
-                  <a:srgbClr val="C00000"/>
-                </a:solidFill>
-              </a:rPr>
-              <a:t>Evaluate Performance Trade-offs</a:t>
-            </a:r>
-            <a:br>
-              <a:rPr lang="en-US" b="1" dirty="0">
-                <a:solidFill>
-                  <a:srgbClr val="002060"/>
-                </a:solidFill>
-              </a:rPr>
-            </a:br>
-            <a:endParaRPr lang="en-IN" dirty="0"/>
-          </a:p>
-        </p:txBody>
-      </p:sp>
-      <p:graphicFrame>
-        <p:nvGraphicFramePr>
-          <p:cNvPr id="4" name="Content Placeholder 3">
-            <a:extLst>
-              <a:ext uri="{FF2B5EF4-FFF2-40B4-BE49-F238E27FC236}">
-                <a16:creationId xmlns:a16="http://schemas.microsoft.com/office/drawing/2014/main" id="{C50911F4-758F-7C61-5FD2-CB7FB8014D84}"/>
-              </a:ext>
-            </a:extLst>
-          </p:cNvPr>
-          <p:cNvGraphicFramePr>
-            <a:graphicFrameLocks noGrp="1"/>
-          </p:cNvGraphicFramePr>
-          <p:nvPr>
-            <p:ph idx="1"/>
-            <p:extLst>
-              <p:ext uri="{D42A27DB-BD31-4B8C-83A1-F6EECF244321}">
-                <p14:modId xmlns:p14="http://schemas.microsoft.com/office/powerpoint/2010/main" val="2021469250"/>
-              </p:ext>
-            </p:extLst>
-          </p:nvPr>
-        </p:nvGraphicFramePr>
-        <p:xfrm>
-          <a:off x="838200" y="1319133"/>
-          <a:ext cx="10515600" cy="3747540"/>
-        </p:xfrm>
-        <a:graphic>
-          <a:graphicData uri="http://schemas.openxmlformats.org/drawingml/2006/table">
-            <a:tbl>
-              <a:tblPr firstRow="1" bandRow="1">
-                <a:tableStyleId>{793D81CF-94F2-401A-BA57-92F5A7B2D0C5}</a:tableStyleId>
-              </a:tblPr>
-              <a:tblGrid>
-                <a:gridCol w="3508948">
-                  <a:extLst>
-                    <a:ext uri="{9D8B030D-6E8A-4147-A177-3AD203B41FA5}">
-                      <a16:colId xmlns:a16="http://schemas.microsoft.com/office/drawing/2014/main" val="3117298471"/>
-                    </a:ext>
-                  </a:extLst>
-                </a:gridCol>
-                <a:gridCol w="7006652">
-                  <a:extLst>
-                    <a:ext uri="{9D8B030D-6E8A-4147-A177-3AD203B41FA5}">
-                      <a16:colId xmlns:a16="http://schemas.microsoft.com/office/drawing/2014/main" val="119087357"/>
-                    </a:ext>
-                  </a:extLst>
-                </a:gridCol>
-              </a:tblGrid>
-              <a:tr h="624590">
-                <a:tc>
-                  <a:txBody>
-                    <a:bodyPr/>
-                    <a:lstStyle/>
-                    <a:p>
-                      <a:r>
-                        <a:rPr lang="en-IN" sz="2000" dirty="0"/>
-                        <a:t>Factor</a:t>
-                      </a:r>
-                    </a:p>
-                  </a:txBody>
-                  <a:tcPr/>
-                </a:tc>
-                <a:tc>
-                  <a:txBody>
-                    <a:bodyPr/>
-                    <a:lstStyle/>
-                    <a:p>
-                      <a:r>
-                        <a:rPr lang="en-IN" sz="2000" dirty="0"/>
-                        <a:t>Considerations</a:t>
-                      </a:r>
-                    </a:p>
-                  </a:txBody>
-                  <a:tcPr/>
-                </a:tc>
-                <a:extLst>
-                  <a:ext uri="{0D108BD9-81ED-4DB2-BD59-A6C34878D82A}">
-                    <a16:rowId xmlns:a16="http://schemas.microsoft.com/office/drawing/2014/main" val="1984150037"/>
-                  </a:ext>
-                </a:extLst>
-              </a:tr>
-              <a:tr h="624590">
-                <a:tc>
-                  <a:txBody>
-                    <a:bodyPr/>
-                    <a:lstStyle/>
-                    <a:p>
-                      <a:r>
-                        <a:rPr lang="en-IN" sz="2000" b="1" dirty="0"/>
-                        <a:t>Latency</a:t>
-                      </a:r>
-                    </a:p>
-                  </a:txBody>
-                  <a:tcPr/>
-                </a:tc>
-                <a:tc>
-                  <a:txBody>
-                    <a:bodyPr/>
-                    <a:lstStyle/>
-                    <a:p>
-                      <a:r>
-                        <a:rPr lang="en-US" sz="2000" dirty="0"/>
-                        <a:t>In-memory DBs (Redis) for sub-</a:t>
-                      </a:r>
-                      <a:r>
-                        <a:rPr lang="en-US" sz="2000" dirty="0" err="1"/>
-                        <a:t>ms</a:t>
-                      </a:r>
-                      <a:r>
-                        <a:rPr lang="en-US" sz="2000" dirty="0"/>
-                        <a:t> response</a:t>
-                      </a:r>
-                      <a:endParaRPr lang="en-IN" sz="2000" dirty="0"/>
-                    </a:p>
-                  </a:txBody>
-                  <a:tcPr/>
-                </a:tc>
-                <a:extLst>
-                  <a:ext uri="{0D108BD9-81ED-4DB2-BD59-A6C34878D82A}">
-                    <a16:rowId xmlns:a16="http://schemas.microsoft.com/office/drawing/2014/main" val="146623201"/>
-                  </a:ext>
-                </a:extLst>
-              </a:tr>
-              <a:tr h="624590">
-                <a:tc>
-                  <a:txBody>
-                    <a:bodyPr/>
-                    <a:lstStyle/>
-                    <a:p>
-                      <a:r>
-                        <a:rPr lang="en-IN" sz="2000" b="1" dirty="0"/>
-                        <a:t>Throughput</a:t>
-                      </a:r>
-                    </a:p>
-                  </a:txBody>
-                  <a:tcPr/>
-                </a:tc>
-                <a:tc>
-                  <a:txBody>
-                    <a:bodyPr/>
-                    <a:lstStyle/>
-                    <a:p>
-                      <a:r>
-                        <a:rPr lang="en-IN" sz="2000" dirty="0"/>
-                        <a:t>Columnar DBs for bulk analytics</a:t>
-                      </a:r>
-                    </a:p>
-                  </a:txBody>
-                  <a:tcPr/>
-                </a:tc>
-                <a:extLst>
-                  <a:ext uri="{0D108BD9-81ED-4DB2-BD59-A6C34878D82A}">
-                    <a16:rowId xmlns:a16="http://schemas.microsoft.com/office/drawing/2014/main" val="2694730940"/>
-                  </a:ext>
-                </a:extLst>
-              </a:tr>
-              <a:tr h="624590">
-                <a:tc>
-                  <a:txBody>
-                    <a:bodyPr/>
-                    <a:lstStyle/>
-                    <a:p>
-                      <a:r>
-                        <a:rPr lang="en-IN" sz="2000" b="1" dirty="0"/>
-                        <a:t>Consistency</a:t>
-                      </a:r>
-                    </a:p>
-                  </a:txBody>
-                  <a:tcPr/>
-                </a:tc>
-                <a:tc>
-                  <a:txBody>
-                    <a:bodyPr/>
-                    <a:lstStyle/>
-                    <a:p>
-                      <a:r>
-                        <a:rPr lang="en-US" sz="2000" dirty="0"/>
-                        <a:t>RDBMS for ACID; NoSQL for eventual consistency</a:t>
-                      </a:r>
-                      <a:endParaRPr lang="en-IN" sz="2000" dirty="0"/>
-                    </a:p>
-                  </a:txBody>
-                  <a:tcPr/>
-                </a:tc>
-                <a:extLst>
-                  <a:ext uri="{0D108BD9-81ED-4DB2-BD59-A6C34878D82A}">
-                    <a16:rowId xmlns:a16="http://schemas.microsoft.com/office/drawing/2014/main" val="2096453341"/>
-                  </a:ext>
-                </a:extLst>
-              </a:tr>
-              <a:tr h="624590">
-                <a:tc>
-                  <a:txBody>
-                    <a:bodyPr/>
-                    <a:lstStyle/>
-                    <a:p>
-                      <a:r>
-                        <a:rPr lang="en-IN" sz="2000" b="1" dirty="0"/>
-                        <a:t>Scalability</a:t>
-                      </a:r>
-                    </a:p>
-                  </a:txBody>
-                  <a:tcPr/>
-                </a:tc>
-                <a:tc>
-                  <a:txBody>
-                    <a:bodyPr/>
-                    <a:lstStyle/>
-                    <a:p>
-                      <a:r>
-                        <a:rPr lang="en-US" sz="2000" dirty="0"/>
-                        <a:t>NoSQL and cloud-native DBs scale horizontally</a:t>
-                      </a:r>
-                      <a:endParaRPr lang="en-IN" sz="2000" dirty="0"/>
-                    </a:p>
-                  </a:txBody>
-                  <a:tcPr/>
-                </a:tc>
-                <a:extLst>
-                  <a:ext uri="{0D108BD9-81ED-4DB2-BD59-A6C34878D82A}">
-                    <a16:rowId xmlns:a16="http://schemas.microsoft.com/office/drawing/2014/main" val="1310021851"/>
-                  </a:ext>
-                </a:extLst>
-              </a:tr>
-              <a:tr h="624590">
-                <a:tc>
-                  <a:txBody>
-                    <a:bodyPr/>
-                    <a:lstStyle/>
-                    <a:p>
-                      <a:r>
-                        <a:rPr lang="en-IN" sz="2000" b="1" dirty="0"/>
-                        <a:t>Availability</a:t>
-                      </a:r>
-                    </a:p>
-                  </a:txBody>
-                  <a:tcPr/>
-                </a:tc>
-                <a:tc>
-                  <a:txBody>
-                    <a:bodyPr/>
-                    <a:lstStyle/>
-                    <a:p>
-                      <a:r>
-                        <a:rPr lang="en-IN" sz="2000" dirty="0"/>
-                        <a:t>Multi-region replication, failover support</a:t>
-                      </a:r>
-                    </a:p>
-                  </a:txBody>
-                  <a:tcPr/>
-                </a:tc>
-                <a:extLst>
-                  <a:ext uri="{0D108BD9-81ED-4DB2-BD59-A6C34878D82A}">
-                    <a16:rowId xmlns:a16="http://schemas.microsoft.com/office/drawing/2014/main" val="1295925742"/>
-                  </a:ext>
-                </a:extLst>
-              </a:tr>
-            </a:tbl>
-          </a:graphicData>
-        </a:graphic>
-      </p:graphicFrame>
-    </p:spTree>
-    <p:extLst>
-      <p:ext uri="{BB962C8B-B14F-4D97-AF65-F5344CB8AC3E}">
-        <p14:creationId xmlns:p14="http://schemas.microsoft.com/office/powerpoint/2010/main" val="1989374203"/>
-      </p:ext>
-    </p:extLst>
-  </p:cSld>
-  <p:clrMapOvr>
-    <a:masterClrMapping/>
-  </p:clrMapOvr>
-</p:sld>
-</file>
-
-<file path=ppt/slides/slide9.xml><?xml version="1.0" encoding="utf-8"?>
-<p:sld xmlns:a="http://schemas.openxmlformats.org/drawingml/2006/main" xmlns:r="http://schemas.openxmlformats.org/officeDocument/2006/relationships" xmlns:p="http://schemas.openxmlformats.org/presentationml/2006/main">
-  <p:cSld>
-    <p:spTree>
-      <p:nvGrpSpPr>
-        <p:cNvPr id="1" name="">
-          <a:extLst>
-            <a:ext uri="{FF2B5EF4-FFF2-40B4-BE49-F238E27FC236}">
-              <a16:creationId xmlns:a16="http://schemas.microsoft.com/office/drawing/2014/main" id="{7AC889F8-ED8D-5DFF-1608-1D94E3AD3010}"/>
-            </a:ext>
-          </a:extLst>
-        </p:cNvPr>
-        <p:cNvGrpSpPr/>
-        <p:nvPr/>
-      </p:nvGrpSpPr>
-      <p:grpSpPr>
-        <a:xfrm>
-          <a:off x="0" y="0"/>
-          <a:ext cx="0" cy="0"/>
-          <a:chOff x="0" y="0"/>
-          <a:chExt cx="0" cy="0"/>
-        </a:xfrm>
-      </p:grpSpPr>
-      <p:sp>
-        <p:nvSpPr>
-          <p:cNvPr id="2" name="Title 1">
-            <a:extLst>
-              <a:ext uri="{FF2B5EF4-FFF2-40B4-BE49-F238E27FC236}">
-                <a16:creationId xmlns:a16="http://schemas.microsoft.com/office/drawing/2014/main" id="{68040658-8A22-AFFE-1CC5-8CC9A20980DF}"/>
-              </a:ext>
-            </a:extLst>
-          </p:cNvPr>
-          <p:cNvSpPr>
-            <a:spLocks noGrp="1"/>
-          </p:cNvSpPr>
-          <p:nvPr>
-            <p:ph type="title"/>
-          </p:nvPr>
-        </p:nvSpPr>
-        <p:spPr/>
-        <p:txBody>
-          <a:bodyPr>
-            <a:normAutofit fontScale="90000"/>
-          </a:bodyPr>
-          <a:lstStyle/>
-          <a:p>
-            <a:br>
-              <a:rPr lang="en-US" b="1" dirty="0">
-                <a:solidFill>
-                  <a:srgbClr val="002060"/>
-                </a:solidFill>
-              </a:rPr>
-            </a:br>
-            <a:r>
-              <a:rPr lang="en-US" b="1" dirty="0">
-                <a:solidFill>
-                  <a:srgbClr val="C00000"/>
-                </a:solidFill>
-              </a:rPr>
-              <a:t>Use AI Tools to Assist in Selection</a:t>
-            </a:r>
-            <a:br>
-              <a:rPr lang="en-US" b="1" dirty="0">
-                <a:solidFill>
-                  <a:srgbClr val="002060"/>
-                </a:solidFill>
-              </a:rPr>
-            </a:br>
-            <a:br>
-              <a:rPr lang="en-US" b="1" dirty="0">
-                <a:solidFill>
-                  <a:srgbClr val="002060"/>
-                </a:solidFill>
-              </a:rPr>
-            </a:br>
-            <a:endParaRPr lang="en-IN" dirty="0"/>
-          </a:p>
-        </p:txBody>
-      </p:sp>
-      <p:sp>
-        <p:nvSpPr>
-          <p:cNvPr id="5" name="Content Placeholder 4">
-            <a:extLst>
-              <a:ext uri="{FF2B5EF4-FFF2-40B4-BE49-F238E27FC236}">
-                <a16:creationId xmlns:a16="http://schemas.microsoft.com/office/drawing/2014/main" id="{A31FC320-82CC-A142-26C7-F167A7E9098A}"/>
-              </a:ext>
-            </a:extLst>
-          </p:cNvPr>
-          <p:cNvSpPr>
-            <a:spLocks noGrp="1"/>
-          </p:cNvSpPr>
-          <p:nvPr>
-            <p:ph idx="1"/>
-          </p:nvPr>
-        </p:nvSpPr>
-        <p:spPr/>
-        <p:txBody>
-          <a:bodyPr/>
-          <a:lstStyle/>
-          <a:p>
-            <a:pPr marL="0" indent="0">
-              <a:buNone/>
-            </a:pPr>
-            <a:r>
-              <a:rPr lang="en-IN" b="1" dirty="0">
-                <a:solidFill>
-                  <a:srgbClr val="FF0000"/>
-                </a:solidFill>
-              </a:rPr>
-              <a:t>AI-powered DBAs can leverage tools like:</a:t>
-            </a:r>
-          </a:p>
-          <a:p>
-            <a:r>
-              <a:rPr lang="en-IN" b="1" dirty="0">
-                <a:solidFill>
-                  <a:srgbClr val="00B050"/>
-                </a:solidFill>
-              </a:rPr>
-              <a:t>Query workload analysers</a:t>
-            </a:r>
-            <a:r>
-              <a:rPr lang="en-IN" dirty="0">
-                <a:solidFill>
-                  <a:srgbClr val="00B050"/>
-                </a:solidFill>
-              </a:rPr>
-              <a:t>: </a:t>
-            </a:r>
-            <a:r>
-              <a:rPr lang="en-IN" b="1" dirty="0">
-                <a:solidFill>
-                  <a:srgbClr val="002060"/>
-                </a:solidFill>
-              </a:rPr>
-              <a:t>Identify bottlenecks and suggest schema changes</a:t>
-            </a:r>
-          </a:p>
-          <a:p>
-            <a:r>
-              <a:rPr lang="en-IN" b="1" dirty="0">
-                <a:solidFill>
-                  <a:srgbClr val="00B050"/>
-                </a:solidFill>
-              </a:rPr>
-              <a:t>Data profiling engines</a:t>
-            </a:r>
-            <a:r>
-              <a:rPr lang="en-IN" dirty="0">
-                <a:solidFill>
-                  <a:srgbClr val="00B050"/>
-                </a:solidFill>
-              </a:rPr>
-              <a:t>: </a:t>
-            </a:r>
-            <a:r>
-              <a:rPr lang="en-IN" b="1" dirty="0">
-                <a:solidFill>
-                  <a:srgbClr val="002060"/>
-                </a:solidFill>
-              </a:rPr>
-              <a:t>Classify data types and recommend storage models</a:t>
-            </a:r>
-          </a:p>
-          <a:p>
-            <a:r>
-              <a:rPr lang="en-IN" b="1" dirty="0">
-                <a:solidFill>
-                  <a:srgbClr val="00B050"/>
-                </a:solidFill>
-              </a:rPr>
-              <a:t>AI-based migration advisors</a:t>
-            </a:r>
-            <a:r>
-              <a:rPr lang="en-IN" dirty="0">
-                <a:solidFill>
-                  <a:srgbClr val="00B050"/>
-                </a:solidFill>
-              </a:rPr>
-              <a:t>: </a:t>
-            </a:r>
-            <a:r>
-              <a:rPr lang="en-IN" b="1" dirty="0">
-                <a:solidFill>
-                  <a:srgbClr val="002060"/>
-                </a:solidFill>
-              </a:rPr>
-              <a:t>Suggest optimal DB types during cloud migration</a:t>
-            </a:r>
-          </a:p>
-          <a:p>
-            <a:endParaRPr lang="en-IN" dirty="0"/>
-          </a:p>
-        </p:txBody>
-      </p:sp>
-    </p:spTree>
-    <p:extLst>
-      <p:ext uri="{BB962C8B-B14F-4D97-AF65-F5344CB8AC3E}">
-        <p14:creationId xmlns:p14="http://schemas.microsoft.com/office/powerpoint/2010/main" val="3540460090"/>
+        <p14:creationId xmlns:p14="http://schemas.microsoft.com/office/powerpoint/2010/main" val="1263864946"/>
       </p:ext>
     </p:extLst>
   </p:cSld>
